--- a/final_review/pictures/chapter3/chapter3.pptx
+++ b/final_review/pictures/chapter3/chapter3.pptx
@@ -10,6 +10,15 @@
     <p:sldId id="258" r:id="rId4"/>
     <p:sldId id="259" r:id="rId5"/>
     <p:sldId id="260" r:id="rId6"/>
+    <p:sldId id="261" r:id="rId7"/>
+    <p:sldId id="262" r:id="rId8"/>
+    <p:sldId id="263" r:id="rId9"/>
+    <p:sldId id="264" r:id="rId10"/>
+    <p:sldId id="265" r:id="rId11"/>
+    <p:sldId id="266" r:id="rId12"/>
+    <p:sldId id="267" r:id="rId13"/>
+    <p:sldId id="268" r:id="rId14"/>
+    <p:sldId id="269" r:id="rId15"/>
   </p:sldIdLst>
   <p:sldSz cx="12192000" cy="6858000"/>
   <p:notesSz cx="6858000" cy="9144000"/>
@@ -263,7 +272,7 @@
           <a:p>
             <a:fld id="{5BC28391-4C0A-49CA-A058-3D6749B32DB7}" type="datetimeFigureOut">
               <a:rPr lang="zh-CN" altLang="en-US" smtClean="0"/>
-              <a:t>2019/12/13</a:t>
+              <a:t>2019/12/18</a:t>
             </a:fld>
             <a:endParaRPr lang="zh-CN" altLang="en-US"/>
           </a:p>
@@ -461,7 +470,7 @@
           <a:p>
             <a:fld id="{5BC28391-4C0A-49CA-A058-3D6749B32DB7}" type="datetimeFigureOut">
               <a:rPr lang="zh-CN" altLang="en-US" smtClean="0"/>
-              <a:t>2019/12/13</a:t>
+              <a:t>2019/12/18</a:t>
             </a:fld>
             <a:endParaRPr lang="zh-CN" altLang="en-US"/>
           </a:p>
@@ -669,7 +678,7 @@
           <a:p>
             <a:fld id="{5BC28391-4C0A-49CA-A058-3D6749B32DB7}" type="datetimeFigureOut">
               <a:rPr lang="zh-CN" altLang="en-US" smtClean="0"/>
-              <a:t>2019/12/13</a:t>
+              <a:t>2019/12/18</a:t>
             </a:fld>
             <a:endParaRPr lang="zh-CN" altLang="en-US"/>
           </a:p>
@@ -867,7 +876,7 @@
           <a:p>
             <a:fld id="{5BC28391-4C0A-49CA-A058-3D6749B32DB7}" type="datetimeFigureOut">
               <a:rPr lang="zh-CN" altLang="en-US" smtClean="0"/>
-              <a:t>2019/12/13</a:t>
+              <a:t>2019/12/18</a:t>
             </a:fld>
             <a:endParaRPr lang="zh-CN" altLang="en-US"/>
           </a:p>
@@ -1142,7 +1151,7 @@
           <a:p>
             <a:fld id="{5BC28391-4C0A-49CA-A058-3D6749B32DB7}" type="datetimeFigureOut">
               <a:rPr lang="zh-CN" altLang="en-US" smtClean="0"/>
-              <a:t>2019/12/13</a:t>
+              <a:t>2019/12/18</a:t>
             </a:fld>
             <a:endParaRPr lang="zh-CN" altLang="en-US"/>
           </a:p>
@@ -1407,7 +1416,7 @@
           <a:p>
             <a:fld id="{5BC28391-4C0A-49CA-A058-3D6749B32DB7}" type="datetimeFigureOut">
               <a:rPr lang="zh-CN" altLang="en-US" smtClean="0"/>
-              <a:t>2019/12/13</a:t>
+              <a:t>2019/12/18</a:t>
             </a:fld>
             <a:endParaRPr lang="zh-CN" altLang="en-US"/>
           </a:p>
@@ -1819,7 +1828,7 @@
           <a:p>
             <a:fld id="{5BC28391-4C0A-49CA-A058-3D6749B32DB7}" type="datetimeFigureOut">
               <a:rPr lang="zh-CN" altLang="en-US" smtClean="0"/>
-              <a:t>2019/12/13</a:t>
+              <a:t>2019/12/18</a:t>
             </a:fld>
             <a:endParaRPr lang="zh-CN" altLang="en-US"/>
           </a:p>
@@ -1960,7 +1969,7 @@
           <a:p>
             <a:fld id="{5BC28391-4C0A-49CA-A058-3D6749B32DB7}" type="datetimeFigureOut">
               <a:rPr lang="zh-CN" altLang="en-US" smtClean="0"/>
-              <a:t>2019/12/13</a:t>
+              <a:t>2019/12/18</a:t>
             </a:fld>
             <a:endParaRPr lang="zh-CN" altLang="en-US"/>
           </a:p>
@@ -2073,7 +2082,7 @@
           <a:p>
             <a:fld id="{5BC28391-4C0A-49CA-A058-3D6749B32DB7}" type="datetimeFigureOut">
               <a:rPr lang="zh-CN" altLang="en-US" smtClean="0"/>
-              <a:t>2019/12/13</a:t>
+              <a:t>2019/12/18</a:t>
             </a:fld>
             <a:endParaRPr lang="zh-CN" altLang="en-US"/>
           </a:p>
@@ -2384,7 +2393,7 @@
           <a:p>
             <a:fld id="{5BC28391-4C0A-49CA-A058-3D6749B32DB7}" type="datetimeFigureOut">
               <a:rPr lang="zh-CN" altLang="en-US" smtClean="0"/>
-              <a:t>2019/12/13</a:t>
+              <a:t>2019/12/18</a:t>
             </a:fld>
             <a:endParaRPr lang="zh-CN" altLang="en-US"/>
           </a:p>
@@ -2672,7 +2681,7 @@
           <a:p>
             <a:fld id="{5BC28391-4C0A-49CA-A058-3D6749B32DB7}" type="datetimeFigureOut">
               <a:rPr lang="zh-CN" altLang="en-US" smtClean="0"/>
-              <a:t>2019/12/13</a:t>
+              <a:t>2019/12/18</a:t>
             </a:fld>
             <a:endParaRPr lang="zh-CN" altLang="en-US"/>
           </a:p>
@@ -2913,7 +2922,7 @@
           <a:p>
             <a:fld id="{5BC28391-4C0A-49CA-A058-3D6749B32DB7}" type="datetimeFigureOut">
               <a:rPr lang="zh-CN" altLang="en-US" smtClean="0"/>
-              <a:t>2019/12/13</a:t>
+              <a:t>2019/12/18</a:t>
             </a:fld>
             <a:endParaRPr lang="zh-CN" altLang="en-US"/>
           </a:p>
@@ -3644,6 +3653,2126 @@
 </p:sld>
 </file>
 
+<file path=ppt/slides/slide10.xml><?xml version="1.0" encoding="utf-8"?>
+<p:sld xmlns:a="http://schemas.openxmlformats.org/drawingml/2006/main" xmlns:r="http://schemas.openxmlformats.org/officeDocument/2006/relationships" xmlns:p="http://schemas.openxmlformats.org/presentationml/2006/main">
+  <p:cSld>
+    <p:spTree>
+      <p:nvGrpSpPr>
+        <p:cNvPr id="1" name=""/>
+        <p:cNvGrpSpPr/>
+        <p:nvPr/>
+      </p:nvGrpSpPr>
+      <p:grpSpPr>
+        <a:xfrm>
+          <a:off x="0" y="0"/>
+          <a:ext cx="0" cy="0"/>
+          <a:chOff x="0" y="0"/>
+          <a:chExt cx="0" cy="0"/>
+        </a:xfrm>
+      </p:grpSpPr>
+      <p:sp>
+        <p:nvSpPr>
+          <p:cNvPr id="4" name="矩形 3">
+            <a:extLst>
+              <a:ext uri="{FF2B5EF4-FFF2-40B4-BE49-F238E27FC236}">
+                <a16:creationId xmlns:a16="http://schemas.microsoft.com/office/drawing/2014/main" id="{1234BDE8-FFA0-4717-9FD3-8944BA25F64C}"/>
+              </a:ext>
+            </a:extLst>
+          </p:cNvPr>
+          <p:cNvSpPr/>
+          <p:nvPr/>
+        </p:nvSpPr>
+        <p:spPr>
+          <a:xfrm>
+            <a:off x="1731765" y="1621631"/>
+            <a:ext cx="2328921" cy="2677656"/>
+          </a:xfrm>
+          <a:prstGeom prst="rect">
+            <a:avLst/>
+          </a:prstGeom>
+        </p:spPr>
+        <p:style>
+          <a:lnRef idx="2">
+            <a:schemeClr val="accent5"/>
+          </a:lnRef>
+          <a:fillRef idx="1">
+            <a:schemeClr val="lt1"/>
+          </a:fillRef>
+          <a:effectRef idx="0">
+            <a:schemeClr val="accent5"/>
+          </a:effectRef>
+          <a:fontRef idx="minor">
+            <a:schemeClr val="dk1"/>
+          </a:fontRef>
+        </p:style>
+        <p:txBody>
+          <a:bodyPr rtlCol="0" anchor="t" anchorCtr="0">
+            <a:spAutoFit/>
+          </a:bodyPr>
+          <a:lstStyle/>
+          <a:p>
+            <a:pPr marL="342900" indent="-342900">
+              <a:buAutoNum type="arabicPeriod"/>
+            </a:pPr>
+            <a:r>
+              <a:rPr lang="zh-CN" altLang="en-US" sz="1400" dirty="0"/>
+              <a:t>典型目标运动特性</a:t>
+            </a:r>
+            <a:endParaRPr lang="en-US" altLang="zh-CN" sz="1400" dirty="0"/>
+          </a:p>
+          <a:p>
+            <a:pPr marL="342900" indent="-342900">
+              <a:buAutoNum type="arabicPeriod"/>
+            </a:pPr>
+            <a:r>
+              <a:rPr lang="zh-CN" altLang="en-US" sz="1400" dirty="0"/>
+              <a:t>导引规律</a:t>
+            </a:r>
+            <a:endParaRPr lang="en-US" altLang="zh-CN" sz="1400" dirty="0"/>
+          </a:p>
+          <a:p>
+            <a:pPr marL="342900" indent="-342900">
+              <a:buAutoNum type="arabicPeriod"/>
+            </a:pPr>
+            <a:r>
+              <a:rPr lang="zh-CN" altLang="en-US" sz="1400" dirty="0"/>
+              <a:t>发动机推力</a:t>
+            </a:r>
+            <a:endParaRPr lang="en-US" altLang="zh-CN" sz="1400" dirty="0"/>
+          </a:p>
+          <a:p>
+            <a:pPr marL="342900" indent="-342900">
+              <a:buAutoNum type="arabicPeriod"/>
+            </a:pPr>
+            <a:r>
+              <a:rPr lang="zh-CN" altLang="en-US" sz="1400" dirty="0"/>
+              <a:t>发动机工作时间</a:t>
+            </a:r>
+            <a:endParaRPr lang="en-US" altLang="zh-CN" sz="1400" dirty="0"/>
+          </a:p>
+          <a:p>
+            <a:pPr marL="342900" indent="-342900">
+              <a:buAutoNum type="arabicPeriod"/>
+            </a:pPr>
+            <a:r>
+              <a:rPr lang="zh-CN" altLang="en-US" sz="1400" dirty="0"/>
+              <a:t>发动机质量秒流量</a:t>
+            </a:r>
+            <a:endParaRPr lang="en-US" altLang="zh-CN" sz="1400" dirty="0"/>
+          </a:p>
+          <a:p>
+            <a:pPr marL="342900" indent="-342900">
+              <a:buAutoNum type="arabicPeriod"/>
+            </a:pPr>
+            <a:r>
+              <a:rPr lang="zh-CN" altLang="en-US" sz="1400" dirty="0"/>
+              <a:t>导弹满载质量、空载质量</a:t>
+            </a:r>
+            <a:endParaRPr lang="en-US" altLang="zh-CN" sz="1400" dirty="0"/>
+          </a:p>
+          <a:p>
+            <a:pPr marL="342900" indent="-342900">
+              <a:buAutoNum type="arabicPeriod"/>
+            </a:pPr>
+            <a:r>
+              <a:rPr lang="zh-CN" altLang="en-US" sz="1400" dirty="0"/>
+              <a:t>升力系数</a:t>
+            </a:r>
+            <a:endParaRPr lang="en-US" altLang="zh-CN" sz="1400" dirty="0"/>
+          </a:p>
+          <a:p>
+            <a:pPr marL="342900" indent="-342900">
+              <a:buAutoNum type="arabicPeriod"/>
+            </a:pPr>
+            <a:r>
+              <a:rPr lang="zh-CN" altLang="en-US" sz="1400" dirty="0"/>
+              <a:t>阻力系数</a:t>
+            </a:r>
+            <a:endParaRPr lang="en-US" altLang="zh-CN" sz="1400" dirty="0"/>
+          </a:p>
+          <a:p>
+            <a:pPr marL="342900" indent="-342900">
+              <a:buAutoNum type="arabicPeriod"/>
+            </a:pPr>
+            <a:r>
+              <a:rPr lang="zh-CN" altLang="en-US" sz="1400" dirty="0"/>
+              <a:t>俯仰力矩系数</a:t>
+            </a:r>
+            <a:endParaRPr lang="en-US" altLang="zh-CN" sz="1400" dirty="0"/>
+          </a:p>
+          <a:p>
+            <a:pPr marL="342900" indent="-342900">
+              <a:buAutoNum type="arabicPeriod"/>
+            </a:pPr>
+            <a:r>
+              <a:rPr lang="zh-CN" altLang="en-US" sz="1400" dirty="0"/>
+              <a:t>控制力矩系数</a:t>
+            </a:r>
+            <a:endParaRPr lang="en-US" altLang="zh-CN" sz="1400" dirty="0"/>
+          </a:p>
+          <a:p>
+            <a:pPr marL="342900" indent="-342900">
+              <a:buAutoNum type="arabicPeriod"/>
+            </a:pPr>
+            <a:r>
+              <a:rPr lang="zh-CN" altLang="en-US" sz="1400" dirty="0"/>
+              <a:t>舵机铰链力矩系数</a:t>
+            </a:r>
+            <a:endParaRPr lang="en-US" altLang="zh-CN" sz="1400" dirty="0"/>
+          </a:p>
+        </p:txBody>
+      </p:sp>
+      <p:sp>
+        <p:nvSpPr>
+          <p:cNvPr id="5" name="箭头: 右 4">
+            <a:extLst>
+              <a:ext uri="{FF2B5EF4-FFF2-40B4-BE49-F238E27FC236}">
+                <a16:creationId xmlns:a16="http://schemas.microsoft.com/office/drawing/2014/main" id="{6D570941-EE07-410D-B78D-C03A7050233C}"/>
+              </a:ext>
+            </a:extLst>
+          </p:cNvPr>
+          <p:cNvSpPr/>
+          <p:nvPr/>
+        </p:nvSpPr>
+        <p:spPr>
+          <a:xfrm>
+            <a:off x="4061791" y="2848918"/>
+            <a:ext cx="636104" cy="225287"/>
+          </a:xfrm>
+          <a:prstGeom prst="rightArrow">
+            <a:avLst/>
+          </a:prstGeom>
+        </p:spPr>
+        <p:style>
+          <a:lnRef idx="2">
+            <a:schemeClr val="accent5"/>
+          </a:lnRef>
+          <a:fillRef idx="1">
+            <a:schemeClr val="lt1"/>
+          </a:fillRef>
+          <a:effectRef idx="0">
+            <a:schemeClr val="accent5"/>
+          </a:effectRef>
+          <a:fontRef idx="minor">
+            <a:schemeClr val="dk1"/>
+          </a:fontRef>
+        </p:style>
+        <p:txBody>
+          <a:bodyPr rtlCol="0" anchor="ctr"/>
+          <a:lstStyle/>
+          <a:p>
+            <a:pPr algn="ctr"/>
+            <a:endParaRPr lang="zh-CN" altLang="en-US"/>
+          </a:p>
+        </p:txBody>
+      </p:sp>
+      <p:sp>
+        <p:nvSpPr>
+          <p:cNvPr id="6" name="矩形 5">
+            <a:extLst>
+              <a:ext uri="{FF2B5EF4-FFF2-40B4-BE49-F238E27FC236}">
+                <a16:creationId xmlns:a16="http://schemas.microsoft.com/office/drawing/2014/main" id="{DE4C6CAD-4236-4C3D-BC21-C910251071F4}"/>
+              </a:ext>
+            </a:extLst>
+          </p:cNvPr>
+          <p:cNvSpPr/>
+          <p:nvPr/>
+        </p:nvSpPr>
+        <p:spPr>
+          <a:xfrm>
+            <a:off x="4695686" y="2698849"/>
+            <a:ext cx="1457245" cy="523220"/>
+          </a:xfrm>
+          <a:prstGeom prst="rect">
+            <a:avLst/>
+          </a:prstGeom>
+        </p:spPr>
+        <p:style>
+          <a:lnRef idx="2">
+            <a:schemeClr val="accent5"/>
+          </a:lnRef>
+          <a:fillRef idx="1">
+            <a:schemeClr val="lt1"/>
+          </a:fillRef>
+          <a:effectRef idx="0">
+            <a:schemeClr val="accent5"/>
+          </a:effectRef>
+          <a:fontRef idx="minor">
+            <a:schemeClr val="dk1"/>
+          </a:fontRef>
+        </p:style>
+        <p:txBody>
+          <a:bodyPr rot="0" spcFirstLastPara="0" vertOverflow="overflow" horzOverflow="overflow" vert="horz" wrap="square" lIns="91440" tIns="45720" rIns="91440" bIns="45720" numCol="1" spcCol="0" rtlCol="0" fromWordArt="0" anchor="t" anchorCtr="0" forceAA="0" compatLnSpc="1">
+            <a:prstTxWarp prst="textNoShape">
+              <a:avLst/>
+            </a:prstTxWarp>
+            <a:spAutoFit/>
+          </a:bodyPr>
+          <a:lstStyle/>
+          <a:p>
+            <a:r>
+              <a:rPr lang="zh-CN" altLang="en-US" sz="1400" dirty="0"/>
+              <a:t>导引弹道动力学分析</a:t>
+            </a:r>
+          </a:p>
+        </p:txBody>
+      </p:sp>
+      <p:sp>
+        <p:nvSpPr>
+          <p:cNvPr id="7" name="箭头: 右 6">
+            <a:extLst>
+              <a:ext uri="{FF2B5EF4-FFF2-40B4-BE49-F238E27FC236}">
+                <a16:creationId xmlns:a16="http://schemas.microsoft.com/office/drawing/2014/main" id="{920C7DA2-D895-4CCC-A7F9-2C0DF5EE2E2A}"/>
+              </a:ext>
+            </a:extLst>
+          </p:cNvPr>
+          <p:cNvSpPr/>
+          <p:nvPr/>
+        </p:nvSpPr>
+        <p:spPr>
+          <a:xfrm>
+            <a:off x="6155140" y="2848918"/>
+            <a:ext cx="636104" cy="225287"/>
+          </a:xfrm>
+          <a:prstGeom prst="rightArrow">
+            <a:avLst/>
+          </a:prstGeom>
+        </p:spPr>
+        <p:style>
+          <a:lnRef idx="2">
+            <a:schemeClr val="accent5"/>
+          </a:lnRef>
+          <a:fillRef idx="1">
+            <a:schemeClr val="lt1"/>
+          </a:fillRef>
+          <a:effectRef idx="0">
+            <a:schemeClr val="accent5"/>
+          </a:effectRef>
+          <a:fontRef idx="minor">
+            <a:schemeClr val="dk1"/>
+          </a:fontRef>
+        </p:style>
+        <p:txBody>
+          <a:bodyPr rtlCol="0" anchor="ctr"/>
+          <a:lstStyle/>
+          <a:p>
+            <a:pPr algn="ctr"/>
+            <a:endParaRPr lang="zh-CN" altLang="en-US"/>
+          </a:p>
+        </p:txBody>
+      </p:sp>
+      <p:sp>
+        <p:nvSpPr>
+          <p:cNvPr id="8" name="矩形 7">
+            <a:extLst>
+              <a:ext uri="{FF2B5EF4-FFF2-40B4-BE49-F238E27FC236}">
+                <a16:creationId xmlns:a16="http://schemas.microsoft.com/office/drawing/2014/main" id="{D089FA92-7680-4DEC-95CF-CD5630D64FC6}"/>
+              </a:ext>
+            </a:extLst>
+          </p:cNvPr>
+          <p:cNvSpPr/>
+          <p:nvPr/>
+        </p:nvSpPr>
+        <p:spPr>
+          <a:xfrm>
+            <a:off x="6793453" y="1944796"/>
+            <a:ext cx="3055616" cy="2031325"/>
+          </a:xfrm>
+          <a:prstGeom prst="rect">
+            <a:avLst/>
+          </a:prstGeom>
+        </p:spPr>
+        <p:style>
+          <a:lnRef idx="2">
+            <a:schemeClr val="accent5"/>
+          </a:lnRef>
+          <a:fillRef idx="1">
+            <a:schemeClr val="lt1"/>
+          </a:fillRef>
+          <a:effectRef idx="0">
+            <a:schemeClr val="accent5"/>
+          </a:effectRef>
+          <a:fontRef idx="minor">
+            <a:schemeClr val="dk1"/>
+          </a:fontRef>
+        </p:style>
+        <p:txBody>
+          <a:bodyPr rot="0" spcFirstLastPara="0" vertOverflow="overflow" horzOverflow="overflow" vert="horz" wrap="square" lIns="91440" tIns="45720" rIns="91440" bIns="45720" numCol="1" spcCol="0" rtlCol="0" fromWordArt="0" anchor="t" anchorCtr="0" forceAA="0" compatLnSpc="1">
+            <a:prstTxWarp prst="textNoShape">
+              <a:avLst/>
+            </a:prstTxWarp>
+            <a:spAutoFit/>
+          </a:bodyPr>
+          <a:lstStyle/>
+          <a:p>
+            <a:pPr marL="342900" indent="-342900">
+              <a:buAutoNum type="arabicPeriod"/>
+            </a:pPr>
+            <a:r>
+              <a:rPr lang="zh-CN" altLang="en-US" sz="1400" dirty="0"/>
+              <a:t>导弹在攻击区域内的速度变化规律 </a:t>
+            </a:r>
+            <a:endParaRPr lang="en-US" altLang="zh-CN" sz="1400" dirty="0"/>
+          </a:p>
+          <a:p>
+            <a:pPr marL="342900" indent="-342900">
+              <a:buAutoNum type="arabicPeriod"/>
+            </a:pPr>
+            <a:r>
+              <a:rPr lang="zh-CN" altLang="en-US" sz="1400" dirty="0"/>
+              <a:t>导弹的有效射程</a:t>
+            </a:r>
+            <a:endParaRPr lang="en-US" altLang="zh-CN" sz="1400" dirty="0"/>
+          </a:p>
+          <a:p>
+            <a:pPr marL="342900" indent="-342900">
+              <a:buAutoNum type="arabicPeriod"/>
+            </a:pPr>
+            <a:r>
+              <a:rPr lang="zh-CN" altLang="en-US" sz="1400" dirty="0"/>
+              <a:t>需用法向过载变化规律</a:t>
+            </a:r>
+            <a:endParaRPr lang="en-US" altLang="zh-CN" sz="1400" dirty="0"/>
+          </a:p>
+          <a:p>
+            <a:pPr marL="342900" indent="-342900">
+              <a:buAutoNum type="arabicPeriod"/>
+            </a:pPr>
+            <a:r>
+              <a:rPr lang="zh-CN" altLang="en-US" sz="1400" dirty="0"/>
+              <a:t>需用攻角变化规律</a:t>
+            </a:r>
+            <a:endParaRPr lang="en-US" altLang="zh-CN" sz="1400" dirty="0"/>
+          </a:p>
+          <a:p>
+            <a:pPr marL="342900" indent="-342900">
+              <a:buAutoNum type="arabicPeriod"/>
+            </a:pPr>
+            <a:r>
+              <a:rPr lang="zh-CN" altLang="en-US" sz="1400" dirty="0"/>
+              <a:t>需用弹体波束（视线）角变化规律</a:t>
+            </a:r>
+            <a:endParaRPr lang="en-US" altLang="zh-CN" sz="1400" dirty="0"/>
+          </a:p>
+          <a:p>
+            <a:pPr marL="342900" indent="-342900">
+              <a:buAutoNum type="arabicPeriod"/>
+            </a:pPr>
+            <a:r>
+              <a:rPr lang="zh-CN" altLang="en-US" sz="1400" dirty="0"/>
+              <a:t>需用舵偏角变化规律</a:t>
+            </a:r>
+            <a:endParaRPr lang="en-US" altLang="zh-CN" sz="1400" dirty="0"/>
+          </a:p>
+          <a:p>
+            <a:pPr marL="342900" indent="-342900">
+              <a:buAutoNum type="arabicPeriod"/>
+            </a:pPr>
+            <a:r>
+              <a:rPr lang="zh-CN" altLang="en-US" sz="1400" dirty="0"/>
+              <a:t>需用舵机铰链力矩变化规律</a:t>
+            </a:r>
+            <a:endParaRPr lang="en-US" altLang="zh-CN" sz="1400" dirty="0"/>
+          </a:p>
+        </p:txBody>
+      </p:sp>
+    </p:spTree>
+    <p:extLst>
+      <p:ext uri="{BB962C8B-B14F-4D97-AF65-F5344CB8AC3E}">
+        <p14:creationId xmlns:p14="http://schemas.microsoft.com/office/powerpoint/2010/main" val="4204396445"/>
+      </p:ext>
+    </p:extLst>
+  </p:cSld>
+  <p:clrMapOvr>
+    <a:masterClrMapping/>
+  </p:clrMapOvr>
+</p:sld>
+</file>
+
+<file path=ppt/slides/slide11.xml><?xml version="1.0" encoding="utf-8"?>
+<p:sld xmlns:a="http://schemas.openxmlformats.org/drawingml/2006/main" xmlns:r="http://schemas.openxmlformats.org/officeDocument/2006/relationships" xmlns:p="http://schemas.openxmlformats.org/presentationml/2006/main">
+  <p:cSld>
+    <p:spTree>
+      <p:nvGrpSpPr>
+        <p:cNvPr id="1" name=""/>
+        <p:cNvGrpSpPr/>
+        <p:nvPr/>
+      </p:nvGrpSpPr>
+      <p:grpSpPr>
+        <a:xfrm>
+          <a:off x="0" y="0"/>
+          <a:ext cx="0" cy="0"/>
+          <a:chOff x="0" y="0"/>
+          <a:chExt cx="0" cy="0"/>
+        </a:xfrm>
+      </p:grpSpPr>
+      <p:sp>
+        <p:nvSpPr>
+          <p:cNvPr id="4" name="矩形 3">
+            <a:extLst>
+              <a:ext uri="{FF2B5EF4-FFF2-40B4-BE49-F238E27FC236}">
+                <a16:creationId xmlns:a16="http://schemas.microsoft.com/office/drawing/2014/main" id="{1234BDE8-FFA0-4717-9FD3-8944BA25F64C}"/>
+              </a:ext>
+            </a:extLst>
+          </p:cNvPr>
+          <p:cNvSpPr/>
+          <p:nvPr/>
+        </p:nvSpPr>
+        <p:spPr>
+          <a:xfrm>
+            <a:off x="1732870" y="759855"/>
+            <a:ext cx="2328921" cy="4401205"/>
+          </a:xfrm>
+          <a:prstGeom prst="rect">
+            <a:avLst/>
+          </a:prstGeom>
+        </p:spPr>
+        <p:style>
+          <a:lnRef idx="2">
+            <a:schemeClr val="accent5"/>
+          </a:lnRef>
+          <a:fillRef idx="1">
+            <a:schemeClr val="lt1"/>
+          </a:fillRef>
+          <a:effectRef idx="0">
+            <a:schemeClr val="accent5"/>
+          </a:effectRef>
+          <a:fontRef idx="minor">
+            <a:schemeClr val="dk1"/>
+          </a:fontRef>
+        </p:style>
+        <p:txBody>
+          <a:bodyPr rtlCol="0" anchor="t" anchorCtr="0">
+            <a:spAutoFit/>
+          </a:bodyPr>
+          <a:lstStyle/>
+          <a:p>
+            <a:pPr marL="342900" indent="-342900">
+              <a:buAutoNum type="arabicPeriod"/>
+            </a:pPr>
+            <a:r>
+              <a:rPr lang="zh-CN" altLang="en-US" sz="1400" dirty="0"/>
+              <a:t>发动机推力</a:t>
+            </a:r>
+            <a:endParaRPr lang="en-US" altLang="zh-CN" sz="1400" dirty="0"/>
+          </a:p>
+          <a:p>
+            <a:pPr marL="342900" indent="-342900">
+              <a:buAutoNum type="arabicPeriod"/>
+            </a:pPr>
+            <a:r>
+              <a:rPr lang="zh-CN" altLang="en-US" sz="1400" dirty="0"/>
+              <a:t>满载质量、空载质量</a:t>
+            </a:r>
+            <a:endParaRPr lang="en-US" altLang="zh-CN" sz="1400" dirty="0"/>
+          </a:p>
+          <a:p>
+            <a:pPr marL="342900" indent="-342900">
+              <a:buAutoNum type="arabicPeriod"/>
+            </a:pPr>
+            <a:r>
+              <a:rPr lang="zh-CN" altLang="en-US" sz="1400" dirty="0"/>
+              <a:t>导弹满载赤道转动惯量、空载赤道转动惯量 </a:t>
+            </a:r>
+            <a:endParaRPr lang="en-US" altLang="zh-CN" sz="1400" dirty="0"/>
+          </a:p>
+          <a:p>
+            <a:pPr marL="342900" indent="-342900">
+              <a:buAutoNum type="arabicPeriod"/>
+            </a:pPr>
+            <a:r>
+              <a:rPr lang="zh-CN" altLang="en-US" sz="1400" dirty="0"/>
+              <a:t>导弹满载极转动惯量、空载极转动惯量</a:t>
+            </a:r>
+            <a:endParaRPr lang="en-US" altLang="zh-CN" sz="1400" dirty="0"/>
+          </a:p>
+          <a:p>
+            <a:pPr marL="342900" indent="-342900">
+              <a:buAutoNum type="arabicPeriod"/>
+            </a:pPr>
+            <a:r>
+              <a:rPr lang="zh-CN" altLang="en-US" sz="1400" dirty="0"/>
+              <a:t>升力系数、侧向力系数</a:t>
+            </a:r>
+            <a:endParaRPr lang="en-US" altLang="zh-CN" sz="1400" dirty="0"/>
+          </a:p>
+          <a:p>
+            <a:pPr marL="342900" indent="-342900">
+              <a:buAutoNum type="arabicPeriod"/>
+            </a:pPr>
+            <a:r>
+              <a:rPr lang="zh-CN" altLang="en-US" sz="1400" dirty="0"/>
+              <a:t>阻力系数</a:t>
+            </a:r>
+            <a:endParaRPr lang="en-US" altLang="zh-CN" sz="1400" dirty="0"/>
+          </a:p>
+          <a:p>
+            <a:pPr marL="342900" indent="-342900">
+              <a:buAutoNum type="arabicPeriod"/>
+            </a:pPr>
+            <a:r>
+              <a:rPr lang="zh-CN" altLang="en-US" sz="1400" dirty="0"/>
+              <a:t>俯仰力矩系数、偏航力矩系数</a:t>
+            </a:r>
+            <a:endParaRPr lang="en-US" altLang="zh-CN" sz="1400" dirty="0"/>
+          </a:p>
+          <a:p>
+            <a:pPr marL="342900" indent="-342900">
+              <a:buAutoNum type="arabicPeriod"/>
+            </a:pPr>
+            <a:r>
+              <a:rPr lang="zh-CN" altLang="en-US" sz="1400" dirty="0"/>
+              <a:t>俯仰阻尼力矩系数导数、偏航阻尼力矩系数导数</a:t>
+            </a:r>
+            <a:endParaRPr lang="en-US" altLang="zh-CN" sz="1400" dirty="0"/>
+          </a:p>
+          <a:p>
+            <a:pPr marL="342900" indent="-342900">
+              <a:buAutoNum type="arabicPeriod"/>
+            </a:pPr>
+            <a:r>
+              <a:rPr lang="zh-CN" altLang="en-US" sz="1400" dirty="0"/>
+              <a:t>控制力系数、控制力矩系数</a:t>
+            </a:r>
+            <a:endParaRPr lang="en-US" altLang="zh-CN" sz="1400" dirty="0"/>
+          </a:p>
+          <a:p>
+            <a:pPr marL="342900" indent="-342900">
+              <a:buAutoNum type="arabicPeriod"/>
+            </a:pPr>
+            <a:r>
+              <a:rPr lang="zh-CN" altLang="en-US" sz="1400" dirty="0"/>
+              <a:t>滚转力矩系数</a:t>
+            </a:r>
+            <a:endParaRPr lang="en-US" altLang="zh-CN" sz="1400" dirty="0"/>
+          </a:p>
+          <a:p>
+            <a:pPr marL="342900" indent="-342900">
+              <a:buAutoNum type="arabicPeriod"/>
+            </a:pPr>
+            <a:r>
+              <a:rPr lang="zh-CN" altLang="en-US" sz="1400" dirty="0"/>
+              <a:t>滚转阻尼力矩系数导数</a:t>
+            </a:r>
+            <a:endParaRPr lang="en-US" altLang="zh-CN" sz="1400" dirty="0"/>
+          </a:p>
+          <a:p>
+            <a:pPr marL="342900" indent="-342900">
+              <a:buAutoNum type="arabicPeriod"/>
+            </a:pPr>
+            <a:r>
+              <a:rPr lang="zh-CN" altLang="en-US" sz="1400" dirty="0"/>
+              <a:t>马格努斯力矩系数导数</a:t>
+            </a:r>
+            <a:endParaRPr lang="en-US" altLang="zh-CN" sz="1400" dirty="0"/>
+          </a:p>
+          <a:p>
+            <a:pPr marL="342900" indent="-342900">
+              <a:buAutoNum type="arabicPeriod"/>
+            </a:pPr>
+            <a:r>
+              <a:rPr lang="zh-CN" altLang="en-US" sz="1400" dirty="0"/>
+              <a:t>离度变化范围</a:t>
+            </a:r>
+            <a:endParaRPr lang="en-US" altLang="zh-CN" sz="1400" dirty="0"/>
+          </a:p>
+          <a:p>
+            <a:pPr marL="342900" indent="-342900">
+              <a:buAutoNum type="arabicPeriod"/>
+            </a:pPr>
+            <a:r>
+              <a:rPr lang="zh-CN" altLang="en-US" sz="1400" dirty="0"/>
+              <a:t>飞行逨度变化范围</a:t>
+            </a:r>
+            <a:endParaRPr lang="en-US" altLang="zh-CN" sz="1400" dirty="0"/>
+          </a:p>
+          <a:p>
+            <a:pPr marL="342900" indent="-342900">
+              <a:buAutoNum type="arabicPeriod"/>
+            </a:pPr>
+            <a:r>
+              <a:rPr lang="zh-CN" altLang="en-US" sz="1400" dirty="0"/>
+              <a:t>飞行攻角变化范围</a:t>
+            </a:r>
+            <a:endParaRPr lang="en-US" altLang="zh-CN" sz="1400" dirty="0"/>
+          </a:p>
+        </p:txBody>
+      </p:sp>
+      <p:sp>
+        <p:nvSpPr>
+          <p:cNvPr id="5" name="箭头: 右 4">
+            <a:extLst>
+              <a:ext uri="{FF2B5EF4-FFF2-40B4-BE49-F238E27FC236}">
+                <a16:creationId xmlns:a16="http://schemas.microsoft.com/office/drawing/2014/main" id="{6D570941-EE07-410D-B78D-C03A7050233C}"/>
+              </a:ext>
+            </a:extLst>
+          </p:cNvPr>
+          <p:cNvSpPr/>
+          <p:nvPr/>
+        </p:nvSpPr>
+        <p:spPr>
+          <a:xfrm>
+            <a:off x="4061791" y="2848918"/>
+            <a:ext cx="636104" cy="225287"/>
+          </a:xfrm>
+          <a:prstGeom prst="rightArrow">
+            <a:avLst/>
+          </a:prstGeom>
+        </p:spPr>
+        <p:style>
+          <a:lnRef idx="2">
+            <a:schemeClr val="accent5"/>
+          </a:lnRef>
+          <a:fillRef idx="1">
+            <a:schemeClr val="lt1"/>
+          </a:fillRef>
+          <a:effectRef idx="0">
+            <a:schemeClr val="accent5"/>
+          </a:effectRef>
+          <a:fontRef idx="minor">
+            <a:schemeClr val="dk1"/>
+          </a:fontRef>
+        </p:style>
+        <p:txBody>
+          <a:bodyPr rtlCol="0" anchor="ctr"/>
+          <a:lstStyle/>
+          <a:p>
+            <a:pPr algn="ctr"/>
+            <a:endParaRPr lang="zh-CN" altLang="en-US"/>
+          </a:p>
+        </p:txBody>
+      </p:sp>
+      <p:sp>
+        <p:nvSpPr>
+          <p:cNvPr id="6" name="矩形 5">
+            <a:extLst>
+              <a:ext uri="{FF2B5EF4-FFF2-40B4-BE49-F238E27FC236}">
+                <a16:creationId xmlns:a16="http://schemas.microsoft.com/office/drawing/2014/main" id="{DE4C6CAD-4236-4C3D-BC21-C910251071F4}"/>
+              </a:ext>
+            </a:extLst>
+          </p:cNvPr>
+          <p:cNvSpPr/>
+          <p:nvPr/>
+        </p:nvSpPr>
+        <p:spPr>
+          <a:xfrm>
+            <a:off x="4695686" y="2698849"/>
+            <a:ext cx="1457245" cy="523220"/>
+          </a:xfrm>
+          <a:prstGeom prst="rect">
+            <a:avLst/>
+          </a:prstGeom>
+        </p:spPr>
+        <p:style>
+          <a:lnRef idx="2">
+            <a:schemeClr val="accent5"/>
+          </a:lnRef>
+          <a:fillRef idx="1">
+            <a:schemeClr val="lt1"/>
+          </a:fillRef>
+          <a:effectRef idx="0">
+            <a:schemeClr val="accent5"/>
+          </a:effectRef>
+          <a:fontRef idx="minor">
+            <a:schemeClr val="dk1"/>
+          </a:fontRef>
+        </p:style>
+        <p:txBody>
+          <a:bodyPr rot="0" spcFirstLastPara="0" vertOverflow="overflow" horzOverflow="overflow" vert="horz" wrap="square" lIns="91440" tIns="45720" rIns="91440" bIns="45720" numCol="1" spcCol="0" rtlCol="0" fromWordArt="0" anchor="t" anchorCtr="0" forceAA="0" compatLnSpc="1">
+            <a:prstTxWarp prst="textNoShape">
+              <a:avLst/>
+            </a:prstTxWarp>
+            <a:spAutoFit/>
+          </a:bodyPr>
+          <a:lstStyle/>
+          <a:p>
+            <a:r>
+              <a:rPr lang="zh-CN" altLang="en-US" sz="1400" dirty="0"/>
+              <a:t>弹体动态特性分析</a:t>
+            </a:r>
+          </a:p>
+        </p:txBody>
+      </p:sp>
+      <p:sp>
+        <p:nvSpPr>
+          <p:cNvPr id="7" name="箭头: 右 6">
+            <a:extLst>
+              <a:ext uri="{FF2B5EF4-FFF2-40B4-BE49-F238E27FC236}">
+                <a16:creationId xmlns:a16="http://schemas.microsoft.com/office/drawing/2014/main" id="{920C7DA2-D895-4CCC-A7F9-2C0DF5EE2E2A}"/>
+              </a:ext>
+            </a:extLst>
+          </p:cNvPr>
+          <p:cNvSpPr/>
+          <p:nvPr/>
+        </p:nvSpPr>
+        <p:spPr>
+          <a:xfrm>
+            <a:off x="6155140" y="2848918"/>
+            <a:ext cx="636104" cy="225287"/>
+          </a:xfrm>
+          <a:prstGeom prst="rightArrow">
+            <a:avLst/>
+          </a:prstGeom>
+        </p:spPr>
+        <p:style>
+          <a:lnRef idx="2">
+            <a:schemeClr val="accent5"/>
+          </a:lnRef>
+          <a:fillRef idx="1">
+            <a:schemeClr val="lt1"/>
+          </a:fillRef>
+          <a:effectRef idx="0">
+            <a:schemeClr val="accent5"/>
+          </a:effectRef>
+          <a:fontRef idx="minor">
+            <a:schemeClr val="dk1"/>
+          </a:fontRef>
+        </p:style>
+        <p:txBody>
+          <a:bodyPr rtlCol="0" anchor="ctr"/>
+          <a:lstStyle/>
+          <a:p>
+            <a:pPr algn="ctr"/>
+            <a:endParaRPr lang="zh-CN" altLang="en-US"/>
+          </a:p>
+        </p:txBody>
+      </p:sp>
+      <p:sp>
+        <p:nvSpPr>
+          <p:cNvPr id="8" name="矩形 7">
+            <a:extLst>
+              <a:ext uri="{FF2B5EF4-FFF2-40B4-BE49-F238E27FC236}">
+                <a16:creationId xmlns:a16="http://schemas.microsoft.com/office/drawing/2014/main" id="{D089FA92-7680-4DEC-95CF-CD5630D64FC6}"/>
+              </a:ext>
+            </a:extLst>
+          </p:cNvPr>
+          <p:cNvSpPr/>
+          <p:nvPr/>
+        </p:nvSpPr>
+        <p:spPr>
+          <a:xfrm>
+            <a:off x="6793453" y="2160238"/>
+            <a:ext cx="3055616" cy="1600438"/>
+          </a:xfrm>
+          <a:prstGeom prst="rect">
+            <a:avLst/>
+          </a:prstGeom>
+        </p:spPr>
+        <p:style>
+          <a:lnRef idx="2">
+            <a:schemeClr val="accent5"/>
+          </a:lnRef>
+          <a:fillRef idx="1">
+            <a:schemeClr val="lt1"/>
+          </a:fillRef>
+          <a:effectRef idx="0">
+            <a:schemeClr val="accent5"/>
+          </a:effectRef>
+          <a:fontRef idx="minor">
+            <a:schemeClr val="dk1"/>
+          </a:fontRef>
+        </p:style>
+        <p:txBody>
+          <a:bodyPr rot="0" spcFirstLastPara="0" vertOverflow="overflow" horzOverflow="overflow" vert="horz" wrap="square" lIns="91440" tIns="45720" rIns="91440" bIns="45720" numCol="1" spcCol="0" rtlCol="0" fromWordArt="0" anchor="t" anchorCtr="0" forceAA="0" compatLnSpc="1">
+            <a:prstTxWarp prst="textNoShape">
+              <a:avLst/>
+            </a:prstTxWarp>
+            <a:spAutoFit/>
+          </a:bodyPr>
+          <a:lstStyle/>
+          <a:p>
+            <a:pPr marL="342900" indent="-342900">
+              <a:buAutoNum type="arabicPeriod"/>
+            </a:pPr>
+            <a:r>
+              <a:rPr lang="zh-CN" altLang="en-US" sz="1400" dirty="0"/>
+              <a:t>导弹动力系数 </a:t>
+            </a:r>
+            <a:endParaRPr lang="en-US" altLang="zh-CN" sz="1400" dirty="0"/>
+          </a:p>
+          <a:p>
+            <a:pPr marL="342900" indent="-342900">
+              <a:buAutoNum type="arabicPeriod"/>
+            </a:pPr>
+            <a:r>
+              <a:rPr lang="zh-CN" altLang="en-US" sz="1400" dirty="0"/>
+              <a:t>增益变化规律 </a:t>
+            </a:r>
+            <a:endParaRPr lang="en-US" altLang="zh-CN" sz="1400" dirty="0"/>
+          </a:p>
+          <a:p>
+            <a:pPr marL="342900" indent="-342900">
+              <a:buAutoNum type="arabicPeriod"/>
+            </a:pPr>
+            <a:r>
+              <a:rPr lang="zh-CN" altLang="en-US" sz="1400" dirty="0"/>
+              <a:t>阻尼变化规律 </a:t>
+            </a:r>
+            <a:endParaRPr lang="en-US" altLang="zh-CN" sz="1400" dirty="0"/>
+          </a:p>
+          <a:p>
+            <a:pPr marL="342900" indent="-342900">
+              <a:buAutoNum type="arabicPeriod"/>
+            </a:pPr>
+            <a:r>
+              <a:rPr lang="zh-CN" altLang="en-US" sz="1400" dirty="0"/>
+              <a:t>固有频率变化规律 </a:t>
+            </a:r>
+            <a:endParaRPr lang="en-US" altLang="zh-CN" sz="1400" dirty="0"/>
+          </a:p>
+          <a:p>
+            <a:pPr marL="342900" indent="-342900">
+              <a:buAutoNum type="arabicPeriod"/>
+            </a:pPr>
+            <a:r>
+              <a:rPr lang="zh-CN" altLang="en-US" sz="1400" dirty="0"/>
+              <a:t>最大可用法向过载变化规律 </a:t>
+            </a:r>
+            <a:endParaRPr lang="en-US" altLang="zh-CN" sz="1400" dirty="0"/>
+          </a:p>
+          <a:p>
+            <a:pPr marL="342900" indent="-342900">
+              <a:buAutoNum type="arabicPeriod"/>
+            </a:pPr>
+            <a:r>
+              <a:rPr lang="zh-CN" altLang="en-US" sz="1400" dirty="0"/>
+              <a:t>动态稳定转速边界（对于旋转导弹）</a:t>
+            </a:r>
+            <a:endParaRPr lang="en-US" altLang="zh-CN" sz="1400" dirty="0"/>
+          </a:p>
+        </p:txBody>
+      </p:sp>
+    </p:spTree>
+    <p:extLst>
+      <p:ext uri="{BB962C8B-B14F-4D97-AF65-F5344CB8AC3E}">
+        <p14:creationId xmlns:p14="http://schemas.microsoft.com/office/powerpoint/2010/main" val="503747807"/>
+      </p:ext>
+    </p:extLst>
+  </p:cSld>
+  <p:clrMapOvr>
+    <a:masterClrMapping/>
+  </p:clrMapOvr>
+</p:sld>
+</file>
+
+<file path=ppt/slides/slide12.xml><?xml version="1.0" encoding="utf-8"?>
+<p:sld xmlns:a="http://schemas.openxmlformats.org/drawingml/2006/main" xmlns:r="http://schemas.openxmlformats.org/officeDocument/2006/relationships" xmlns:p="http://schemas.openxmlformats.org/presentationml/2006/main">
+  <p:cSld>
+    <p:spTree>
+      <p:nvGrpSpPr>
+        <p:cNvPr id="1" name=""/>
+        <p:cNvGrpSpPr/>
+        <p:nvPr/>
+      </p:nvGrpSpPr>
+      <p:grpSpPr>
+        <a:xfrm>
+          <a:off x="0" y="0"/>
+          <a:ext cx="0" cy="0"/>
+          <a:chOff x="0" y="0"/>
+          <a:chExt cx="0" cy="0"/>
+        </a:xfrm>
+      </p:grpSpPr>
+      <p:sp>
+        <p:nvSpPr>
+          <p:cNvPr id="4" name="矩形 3">
+            <a:extLst>
+              <a:ext uri="{FF2B5EF4-FFF2-40B4-BE49-F238E27FC236}">
+                <a16:creationId xmlns:a16="http://schemas.microsoft.com/office/drawing/2014/main" id="{1234BDE8-FFA0-4717-9FD3-8944BA25F64C}"/>
+              </a:ext>
+            </a:extLst>
+          </p:cNvPr>
+          <p:cNvSpPr/>
+          <p:nvPr/>
+        </p:nvSpPr>
+        <p:spPr>
+          <a:xfrm>
+            <a:off x="1732870" y="2160238"/>
+            <a:ext cx="2328921" cy="1600438"/>
+          </a:xfrm>
+          <a:prstGeom prst="rect">
+            <a:avLst/>
+          </a:prstGeom>
+        </p:spPr>
+        <p:style>
+          <a:lnRef idx="2">
+            <a:schemeClr val="accent5"/>
+          </a:lnRef>
+          <a:fillRef idx="1">
+            <a:schemeClr val="lt1"/>
+          </a:fillRef>
+          <a:effectRef idx="0">
+            <a:schemeClr val="accent5"/>
+          </a:effectRef>
+          <a:fontRef idx="minor">
+            <a:schemeClr val="dk1"/>
+          </a:fontRef>
+        </p:style>
+        <p:txBody>
+          <a:bodyPr rtlCol="0" anchor="t" anchorCtr="0">
+            <a:spAutoFit/>
+          </a:bodyPr>
+          <a:lstStyle/>
+          <a:p>
+            <a:pPr marL="342900" indent="-342900">
+              <a:buAutoNum type="arabicPeriod"/>
+            </a:pPr>
+            <a:r>
+              <a:rPr lang="zh-CN" altLang="en-US" sz="1400" dirty="0"/>
+              <a:t>命中精度指标要求 </a:t>
+            </a:r>
+            <a:endParaRPr lang="en-US" altLang="zh-CN" sz="1400" dirty="0"/>
+          </a:p>
+          <a:p>
+            <a:pPr marL="342900" indent="-342900">
+              <a:buAutoNum type="arabicPeriod"/>
+            </a:pPr>
+            <a:r>
+              <a:rPr lang="zh-CN" altLang="en-US" sz="1400" dirty="0"/>
+              <a:t>制导体制 </a:t>
+            </a:r>
+            <a:endParaRPr lang="en-US" altLang="zh-CN" sz="1400" dirty="0"/>
+          </a:p>
+          <a:p>
+            <a:pPr marL="342900" indent="-342900">
+              <a:buAutoNum type="arabicPeriod"/>
+            </a:pPr>
+            <a:r>
+              <a:rPr lang="zh-CN" altLang="en-US" sz="1400" dirty="0"/>
+              <a:t>导引规律 </a:t>
+            </a:r>
+            <a:endParaRPr lang="en-US" altLang="zh-CN" sz="1400" dirty="0"/>
+          </a:p>
+          <a:p>
+            <a:pPr marL="342900" indent="-342900">
+              <a:buAutoNum type="arabicPeriod"/>
+            </a:pPr>
+            <a:r>
+              <a:rPr lang="zh-CN" altLang="en-US" sz="1400" dirty="0"/>
+              <a:t>导弹基本控制模式</a:t>
+            </a:r>
+            <a:endParaRPr lang="en-US" altLang="zh-CN" sz="1400" dirty="0"/>
+          </a:p>
+          <a:p>
+            <a:pPr marL="342900" indent="-342900">
+              <a:buAutoNum type="arabicPeriod"/>
+            </a:pPr>
+            <a:r>
+              <a:rPr lang="zh-CN" altLang="en-US" sz="1400" dirty="0"/>
+              <a:t> 需历法向过载变化规律 </a:t>
+            </a:r>
+            <a:endParaRPr lang="en-US" altLang="zh-CN" sz="1400" dirty="0"/>
+          </a:p>
+          <a:p>
+            <a:pPr marL="342900" indent="-342900">
+              <a:buAutoNum type="arabicPeriod"/>
+            </a:pPr>
+            <a:r>
+              <a:rPr lang="zh-CN" altLang="en-US" sz="1400" dirty="0"/>
+              <a:t>特征点动力系数</a:t>
+            </a:r>
+            <a:endParaRPr lang="en-US" altLang="zh-CN" sz="1400" dirty="0"/>
+          </a:p>
+        </p:txBody>
+      </p:sp>
+      <p:sp>
+        <p:nvSpPr>
+          <p:cNvPr id="5" name="箭头: 右 4">
+            <a:extLst>
+              <a:ext uri="{FF2B5EF4-FFF2-40B4-BE49-F238E27FC236}">
+                <a16:creationId xmlns:a16="http://schemas.microsoft.com/office/drawing/2014/main" id="{6D570941-EE07-410D-B78D-C03A7050233C}"/>
+              </a:ext>
+            </a:extLst>
+          </p:cNvPr>
+          <p:cNvSpPr/>
+          <p:nvPr/>
+        </p:nvSpPr>
+        <p:spPr>
+          <a:xfrm>
+            <a:off x="4061791" y="2848918"/>
+            <a:ext cx="636104" cy="225287"/>
+          </a:xfrm>
+          <a:prstGeom prst="rightArrow">
+            <a:avLst/>
+          </a:prstGeom>
+        </p:spPr>
+        <p:style>
+          <a:lnRef idx="2">
+            <a:schemeClr val="accent5"/>
+          </a:lnRef>
+          <a:fillRef idx="1">
+            <a:schemeClr val="lt1"/>
+          </a:fillRef>
+          <a:effectRef idx="0">
+            <a:schemeClr val="accent5"/>
+          </a:effectRef>
+          <a:fontRef idx="minor">
+            <a:schemeClr val="dk1"/>
+          </a:fontRef>
+        </p:style>
+        <p:txBody>
+          <a:bodyPr rtlCol="0" anchor="ctr"/>
+          <a:lstStyle/>
+          <a:p>
+            <a:pPr algn="ctr"/>
+            <a:endParaRPr lang="zh-CN" altLang="en-US"/>
+          </a:p>
+        </p:txBody>
+      </p:sp>
+      <p:sp>
+        <p:nvSpPr>
+          <p:cNvPr id="6" name="矩形 5">
+            <a:extLst>
+              <a:ext uri="{FF2B5EF4-FFF2-40B4-BE49-F238E27FC236}">
+                <a16:creationId xmlns:a16="http://schemas.microsoft.com/office/drawing/2014/main" id="{DE4C6CAD-4236-4C3D-BC21-C910251071F4}"/>
+              </a:ext>
+            </a:extLst>
+          </p:cNvPr>
+          <p:cNvSpPr/>
+          <p:nvPr/>
+        </p:nvSpPr>
+        <p:spPr>
+          <a:xfrm>
+            <a:off x="4697895" y="2786732"/>
+            <a:ext cx="1457245" cy="307777"/>
+          </a:xfrm>
+          <a:prstGeom prst="rect">
+            <a:avLst/>
+          </a:prstGeom>
+        </p:spPr>
+        <p:style>
+          <a:lnRef idx="2">
+            <a:schemeClr val="accent5"/>
+          </a:lnRef>
+          <a:fillRef idx="1">
+            <a:schemeClr val="lt1"/>
+          </a:fillRef>
+          <a:effectRef idx="0">
+            <a:schemeClr val="accent5"/>
+          </a:effectRef>
+          <a:fontRef idx="minor">
+            <a:schemeClr val="dk1"/>
+          </a:fontRef>
+        </p:style>
+        <p:txBody>
+          <a:bodyPr rot="0" spcFirstLastPara="0" vertOverflow="overflow" horzOverflow="overflow" vert="horz" wrap="square" lIns="91440" tIns="45720" rIns="91440" bIns="45720" numCol="1" spcCol="0" rtlCol="0" fromWordArt="0" anchor="t" anchorCtr="0" forceAA="0" compatLnSpc="1">
+            <a:prstTxWarp prst="textNoShape">
+              <a:avLst/>
+            </a:prstTxWarp>
+            <a:spAutoFit/>
+          </a:bodyPr>
+          <a:lstStyle/>
+          <a:p>
+            <a:r>
+              <a:rPr lang="zh-CN" altLang="en-US" sz="1400" dirty="0"/>
+              <a:t>制导回路设计</a:t>
+            </a:r>
+          </a:p>
+        </p:txBody>
+      </p:sp>
+      <p:sp>
+        <p:nvSpPr>
+          <p:cNvPr id="7" name="箭头: 右 6">
+            <a:extLst>
+              <a:ext uri="{FF2B5EF4-FFF2-40B4-BE49-F238E27FC236}">
+                <a16:creationId xmlns:a16="http://schemas.microsoft.com/office/drawing/2014/main" id="{920C7DA2-D895-4CCC-A7F9-2C0DF5EE2E2A}"/>
+              </a:ext>
+            </a:extLst>
+          </p:cNvPr>
+          <p:cNvSpPr/>
+          <p:nvPr/>
+        </p:nvSpPr>
+        <p:spPr>
+          <a:xfrm>
+            <a:off x="6155140" y="2848918"/>
+            <a:ext cx="636104" cy="225287"/>
+          </a:xfrm>
+          <a:prstGeom prst="rightArrow">
+            <a:avLst/>
+          </a:prstGeom>
+        </p:spPr>
+        <p:style>
+          <a:lnRef idx="2">
+            <a:schemeClr val="accent5"/>
+          </a:lnRef>
+          <a:fillRef idx="1">
+            <a:schemeClr val="lt1"/>
+          </a:fillRef>
+          <a:effectRef idx="0">
+            <a:schemeClr val="accent5"/>
+          </a:effectRef>
+          <a:fontRef idx="minor">
+            <a:schemeClr val="dk1"/>
+          </a:fontRef>
+        </p:style>
+        <p:txBody>
+          <a:bodyPr rtlCol="0" anchor="ctr"/>
+          <a:lstStyle/>
+          <a:p>
+            <a:pPr algn="ctr"/>
+            <a:endParaRPr lang="zh-CN" altLang="en-US"/>
+          </a:p>
+        </p:txBody>
+      </p:sp>
+      <p:sp>
+        <p:nvSpPr>
+          <p:cNvPr id="8" name="矩形 7">
+            <a:extLst>
+              <a:ext uri="{FF2B5EF4-FFF2-40B4-BE49-F238E27FC236}">
+                <a16:creationId xmlns:a16="http://schemas.microsoft.com/office/drawing/2014/main" id="{D089FA92-7680-4DEC-95CF-CD5630D64FC6}"/>
+              </a:ext>
+            </a:extLst>
+          </p:cNvPr>
+          <p:cNvSpPr/>
+          <p:nvPr/>
+        </p:nvSpPr>
+        <p:spPr>
+          <a:xfrm>
+            <a:off x="6793453" y="2160238"/>
+            <a:ext cx="3055616" cy="1600438"/>
+          </a:xfrm>
+          <a:prstGeom prst="rect">
+            <a:avLst/>
+          </a:prstGeom>
+        </p:spPr>
+        <p:style>
+          <a:lnRef idx="2">
+            <a:schemeClr val="accent5"/>
+          </a:lnRef>
+          <a:fillRef idx="1">
+            <a:schemeClr val="lt1"/>
+          </a:fillRef>
+          <a:effectRef idx="0">
+            <a:schemeClr val="accent5"/>
+          </a:effectRef>
+          <a:fontRef idx="minor">
+            <a:schemeClr val="dk1"/>
+          </a:fontRef>
+        </p:style>
+        <p:txBody>
+          <a:bodyPr rot="0" spcFirstLastPara="0" vertOverflow="overflow" horzOverflow="overflow" vert="horz" wrap="square" lIns="91440" tIns="45720" rIns="91440" bIns="45720" numCol="1" spcCol="0" rtlCol="0" fromWordArt="0" anchor="t" anchorCtr="0" forceAA="0" compatLnSpc="1">
+            <a:prstTxWarp prst="textNoShape">
+              <a:avLst/>
+            </a:prstTxWarp>
+            <a:spAutoFit/>
+          </a:bodyPr>
+          <a:lstStyle/>
+          <a:p>
+            <a:pPr marL="342900" indent="-342900">
+              <a:buAutoNum type="arabicPeriod"/>
+            </a:pPr>
+            <a:r>
+              <a:rPr lang="zh-CN" altLang="en-US" sz="1400" dirty="0"/>
+              <a:t>控制器结构 </a:t>
+            </a:r>
+            <a:endParaRPr lang="en-US" altLang="zh-CN" sz="1400" dirty="0"/>
+          </a:p>
+          <a:p>
+            <a:pPr marL="342900" indent="-342900">
+              <a:buAutoNum type="arabicPeriod"/>
+            </a:pPr>
+            <a:r>
+              <a:rPr lang="zh-CN" altLang="en-US" sz="1400" dirty="0"/>
+              <a:t>控制器设计参数 </a:t>
+            </a:r>
+            <a:endParaRPr lang="en-US" altLang="zh-CN" sz="1400" dirty="0"/>
+          </a:p>
+          <a:p>
+            <a:pPr marL="342900" indent="-342900">
+              <a:buAutoNum type="arabicPeriod"/>
+            </a:pPr>
+            <a:r>
+              <a:rPr lang="zh-CN" altLang="en-US" sz="1400" dirty="0"/>
+              <a:t>对闭环系统各环节的精度及带宽等指标要求 </a:t>
+            </a:r>
+            <a:endParaRPr lang="en-US" altLang="zh-CN" sz="1400" dirty="0"/>
+          </a:p>
+          <a:p>
+            <a:pPr marL="342900" indent="-342900">
+              <a:buAutoNum type="arabicPeriod"/>
+            </a:pPr>
+            <a:r>
+              <a:rPr lang="zh-CN" altLang="en-US" sz="1400" dirty="0"/>
+              <a:t>自动驾驶仪增益特性要求 </a:t>
+            </a:r>
+            <a:endParaRPr lang="en-US" altLang="zh-CN" sz="1400" dirty="0"/>
+          </a:p>
+          <a:p>
+            <a:pPr marL="342900" indent="-342900">
+              <a:buAutoNum type="arabicPeriod"/>
+            </a:pPr>
+            <a:r>
+              <a:rPr lang="zh-CN" altLang="en-US" sz="1400" dirty="0"/>
+              <a:t>自动驾驶仪阻尼特性要求 </a:t>
+            </a:r>
+            <a:endParaRPr lang="en-US" altLang="zh-CN" sz="1400" dirty="0"/>
+          </a:p>
+          <a:p>
+            <a:pPr marL="342900" indent="-342900">
+              <a:buAutoNum type="arabicPeriod"/>
+            </a:pPr>
+            <a:r>
+              <a:rPr lang="zh-CN" altLang="en-US" sz="1400" dirty="0"/>
+              <a:t>自动驾驶仪带宽特性要求</a:t>
+            </a:r>
+            <a:endParaRPr lang="en-US" altLang="zh-CN" sz="1400" dirty="0"/>
+          </a:p>
+        </p:txBody>
+      </p:sp>
+    </p:spTree>
+    <p:extLst>
+      <p:ext uri="{BB962C8B-B14F-4D97-AF65-F5344CB8AC3E}">
+        <p14:creationId xmlns:p14="http://schemas.microsoft.com/office/powerpoint/2010/main" val="1576653912"/>
+      </p:ext>
+    </p:extLst>
+  </p:cSld>
+  <p:clrMapOvr>
+    <a:masterClrMapping/>
+  </p:clrMapOvr>
+</p:sld>
+</file>
+
+<file path=ppt/slides/slide13.xml><?xml version="1.0" encoding="utf-8"?>
+<p:sld xmlns:a="http://schemas.openxmlformats.org/drawingml/2006/main" xmlns:r="http://schemas.openxmlformats.org/officeDocument/2006/relationships" xmlns:p="http://schemas.openxmlformats.org/presentationml/2006/main">
+  <p:cSld>
+    <p:spTree>
+      <p:nvGrpSpPr>
+        <p:cNvPr id="1" name=""/>
+        <p:cNvGrpSpPr/>
+        <p:nvPr/>
+      </p:nvGrpSpPr>
+      <p:grpSpPr>
+        <a:xfrm>
+          <a:off x="0" y="0"/>
+          <a:ext cx="0" cy="0"/>
+          <a:chOff x="0" y="0"/>
+          <a:chExt cx="0" cy="0"/>
+        </a:xfrm>
+      </p:grpSpPr>
+      <p:sp>
+        <p:nvSpPr>
+          <p:cNvPr id="4" name="矩形 3">
+            <a:extLst>
+              <a:ext uri="{FF2B5EF4-FFF2-40B4-BE49-F238E27FC236}">
+                <a16:creationId xmlns:a16="http://schemas.microsoft.com/office/drawing/2014/main" id="{1234BDE8-FFA0-4717-9FD3-8944BA25F64C}"/>
+              </a:ext>
+            </a:extLst>
+          </p:cNvPr>
+          <p:cNvSpPr/>
+          <p:nvPr/>
+        </p:nvSpPr>
+        <p:spPr>
+          <a:xfrm>
+            <a:off x="1732870" y="1945897"/>
+            <a:ext cx="2328921" cy="2031325"/>
+          </a:xfrm>
+          <a:prstGeom prst="rect">
+            <a:avLst/>
+          </a:prstGeom>
+        </p:spPr>
+        <p:style>
+          <a:lnRef idx="2">
+            <a:schemeClr val="accent5"/>
+          </a:lnRef>
+          <a:fillRef idx="1">
+            <a:schemeClr val="lt1"/>
+          </a:fillRef>
+          <a:effectRef idx="0">
+            <a:schemeClr val="accent5"/>
+          </a:effectRef>
+          <a:fontRef idx="minor">
+            <a:schemeClr val="dk1"/>
+          </a:fontRef>
+        </p:style>
+        <p:txBody>
+          <a:bodyPr rtlCol="0" anchor="t" anchorCtr="0">
+            <a:spAutoFit/>
+          </a:bodyPr>
+          <a:lstStyle/>
+          <a:p>
+            <a:pPr marL="342900" indent="-342900">
+              <a:buAutoNum type="arabicPeriod"/>
+            </a:pPr>
+            <a:r>
+              <a:rPr lang="zh-CN" altLang="en-US" sz="1400" dirty="0"/>
+              <a:t>自动驾驶仪类型 </a:t>
+            </a:r>
+            <a:endParaRPr lang="en-US" altLang="zh-CN" sz="1400" dirty="0"/>
+          </a:p>
+          <a:p>
+            <a:pPr marL="342900" indent="-342900">
+              <a:buAutoNum type="arabicPeriod"/>
+            </a:pPr>
+            <a:r>
+              <a:rPr lang="zh-CN" altLang="en-US" sz="1400" dirty="0"/>
+              <a:t>弹上传感器位置 </a:t>
+            </a:r>
+            <a:endParaRPr lang="en-US" altLang="zh-CN" sz="1400" dirty="0"/>
+          </a:p>
+          <a:p>
+            <a:pPr marL="342900" indent="-342900">
+              <a:buAutoNum type="arabicPeriod"/>
+            </a:pPr>
+            <a:r>
+              <a:rPr lang="zh-CN" altLang="en-US" sz="1400" dirty="0"/>
+              <a:t>特征点动力系数 </a:t>
+            </a:r>
+            <a:endParaRPr lang="en-US" altLang="zh-CN" sz="1400" dirty="0"/>
+          </a:p>
+          <a:p>
+            <a:pPr marL="342900" indent="-342900">
+              <a:buAutoNum type="arabicPeriod"/>
+            </a:pPr>
+            <a:r>
+              <a:rPr lang="zh-CN" altLang="en-US" sz="1400" dirty="0"/>
+              <a:t>自动驾驶仪增益特性要求 </a:t>
+            </a:r>
+            <a:endParaRPr lang="en-US" altLang="zh-CN" sz="1400" dirty="0"/>
+          </a:p>
+          <a:p>
+            <a:pPr marL="342900" indent="-342900">
+              <a:buAutoNum type="arabicPeriod"/>
+            </a:pPr>
+            <a:r>
+              <a:rPr lang="zh-CN" altLang="en-US" sz="1400" dirty="0"/>
+              <a:t>自动驾驶仪阻尼特性要求 </a:t>
+            </a:r>
+            <a:endParaRPr lang="en-US" altLang="zh-CN" sz="1400" dirty="0"/>
+          </a:p>
+          <a:p>
+            <a:pPr marL="342900" indent="-342900">
+              <a:buAutoNum type="arabicPeriod"/>
+            </a:pPr>
+            <a:r>
+              <a:rPr lang="zh-CN" altLang="en-US" sz="1400" dirty="0"/>
+              <a:t>自动驾驶仪带宽特性要求</a:t>
+            </a:r>
+            <a:endParaRPr lang="en-US" altLang="zh-CN" sz="1400" dirty="0"/>
+          </a:p>
+        </p:txBody>
+      </p:sp>
+      <p:sp>
+        <p:nvSpPr>
+          <p:cNvPr id="5" name="箭头: 右 4">
+            <a:extLst>
+              <a:ext uri="{FF2B5EF4-FFF2-40B4-BE49-F238E27FC236}">
+                <a16:creationId xmlns:a16="http://schemas.microsoft.com/office/drawing/2014/main" id="{6D570941-EE07-410D-B78D-C03A7050233C}"/>
+              </a:ext>
+            </a:extLst>
+          </p:cNvPr>
+          <p:cNvSpPr/>
+          <p:nvPr/>
+        </p:nvSpPr>
+        <p:spPr>
+          <a:xfrm>
+            <a:off x="4061791" y="2848918"/>
+            <a:ext cx="636104" cy="225287"/>
+          </a:xfrm>
+          <a:prstGeom prst="rightArrow">
+            <a:avLst/>
+          </a:prstGeom>
+        </p:spPr>
+        <p:style>
+          <a:lnRef idx="2">
+            <a:schemeClr val="accent5"/>
+          </a:lnRef>
+          <a:fillRef idx="1">
+            <a:schemeClr val="lt1"/>
+          </a:fillRef>
+          <a:effectRef idx="0">
+            <a:schemeClr val="accent5"/>
+          </a:effectRef>
+          <a:fontRef idx="minor">
+            <a:schemeClr val="dk1"/>
+          </a:fontRef>
+        </p:style>
+        <p:txBody>
+          <a:bodyPr rtlCol="0" anchor="ctr"/>
+          <a:lstStyle/>
+          <a:p>
+            <a:pPr algn="ctr"/>
+            <a:endParaRPr lang="zh-CN" altLang="en-US"/>
+          </a:p>
+        </p:txBody>
+      </p:sp>
+      <p:sp>
+        <p:nvSpPr>
+          <p:cNvPr id="6" name="矩形 5">
+            <a:extLst>
+              <a:ext uri="{FF2B5EF4-FFF2-40B4-BE49-F238E27FC236}">
+                <a16:creationId xmlns:a16="http://schemas.microsoft.com/office/drawing/2014/main" id="{DE4C6CAD-4236-4C3D-BC21-C910251071F4}"/>
+              </a:ext>
+            </a:extLst>
+          </p:cNvPr>
+          <p:cNvSpPr/>
+          <p:nvPr/>
+        </p:nvSpPr>
+        <p:spPr>
+          <a:xfrm>
+            <a:off x="4697895" y="2786732"/>
+            <a:ext cx="1457245" cy="307777"/>
+          </a:xfrm>
+          <a:prstGeom prst="rect">
+            <a:avLst/>
+          </a:prstGeom>
+        </p:spPr>
+        <p:style>
+          <a:lnRef idx="2">
+            <a:schemeClr val="accent5"/>
+          </a:lnRef>
+          <a:fillRef idx="1">
+            <a:schemeClr val="lt1"/>
+          </a:fillRef>
+          <a:effectRef idx="0">
+            <a:schemeClr val="accent5"/>
+          </a:effectRef>
+          <a:fontRef idx="minor">
+            <a:schemeClr val="dk1"/>
+          </a:fontRef>
+        </p:style>
+        <p:txBody>
+          <a:bodyPr rot="0" spcFirstLastPara="0" vertOverflow="overflow" horzOverflow="overflow" vert="horz" wrap="square" lIns="91440" tIns="45720" rIns="91440" bIns="45720" numCol="1" spcCol="0" rtlCol="0" fromWordArt="0" anchor="t" anchorCtr="0" forceAA="0" compatLnSpc="1">
+            <a:prstTxWarp prst="textNoShape">
+              <a:avLst/>
+            </a:prstTxWarp>
+            <a:spAutoFit/>
+          </a:bodyPr>
+          <a:lstStyle/>
+          <a:p>
+            <a:r>
+              <a:rPr lang="zh-CN" altLang="en-US" sz="1400" dirty="0"/>
+              <a:t>自动驾驶仪设计</a:t>
+            </a:r>
+          </a:p>
+        </p:txBody>
+      </p:sp>
+      <p:sp>
+        <p:nvSpPr>
+          <p:cNvPr id="7" name="箭头: 右 6">
+            <a:extLst>
+              <a:ext uri="{FF2B5EF4-FFF2-40B4-BE49-F238E27FC236}">
+                <a16:creationId xmlns:a16="http://schemas.microsoft.com/office/drawing/2014/main" id="{920C7DA2-D895-4CCC-A7F9-2C0DF5EE2E2A}"/>
+              </a:ext>
+            </a:extLst>
+          </p:cNvPr>
+          <p:cNvSpPr/>
+          <p:nvPr/>
+        </p:nvSpPr>
+        <p:spPr>
+          <a:xfrm>
+            <a:off x="6155140" y="2848918"/>
+            <a:ext cx="636104" cy="225287"/>
+          </a:xfrm>
+          <a:prstGeom prst="rightArrow">
+            <a:avLst/>
+          </a:prstGeom>
+        </p:spPr>
+        <p:style>
+          <a:lnRef idx="2">
+            <a:schemeClr val="accent5"/>
+          </a:lnRef>
+          <a:fillRef idx="1">
+            <a:schemeClr val="lt1"/>
+          </a:fillRef>
+          <a:effectRef idx="0">
+            <a:schemeClr val="accent5"/>
+          </a:effectRef>
+          <a:fontRef idx="minor">
+            <a:schemeClr val="dk1"/>
+          </a:fontRef>
+        </p:style>
+        <p:txBody>
+          <a:bodyPr rtlCol="0" anchor="ctr"/>
+          <a:lstStyle/>
+          <a:p>
+            <a:pPr algn="ctr"/>
+            <a:endParaRPr lang="zh-CN" altLang="en-US"/>
+          </a:p>
+        </p:txBody>
+      </p:sp>
+      <p:sp>
+        <p:nvSpPr>
+          <p:cNvPr id="8" name="矩形 7">
+            <a:extLst>
+              <a:ext uri="{FF2B5EF4-FFF2-40B4-BE49-F238E27FC236}">
+                <a16:creationId xmlns:a16="http://schemas.microsoft.com/office/drawing/2014/main" id="{D089FA92-7680-4DEC-95CF-CD5630D64FC6}"/>
+              </a:ext>
+            </a:extLst>
+          </p:cNvPr>
+          <p:cNvSpPr/>
+          <p:nvPr/>
+        </p:nvSpPr>
+        <p:spPr>
+          <a:xfrm>
+            <a:off x="6791244" y="2269063"/>
+            <a:ext cx="3055616" cy="1384995"/>
+          </a:xfrm>
+          <a:prstGeom prst="rect">
+            <a:avLst/>
+          </a:prstGeom>
+        </p:spPr>
+        <p:style>
+          <a:lnRef idx="2">
+            <a:schemeClr val="accent5"/>
+          </a:lnRef>
+          <a:fillRef idx="1">
+            <a:schemeClr val="lt1"/>
+          </a:fillRef>
+          <a:effectRef idx="0">
+            <a:schemeClr val="accent5"/>
+          </a:effectRef>
+          <a:fontRef idx="minor">
+            <a:schemeClr val="dk1"/>
+          </a:fontRef>
+        </p:style>
+        <p:txBody>
+          <a:bodyPr rot="0" spcFirstLastPara="0" vertOverflow="overflow" horzOverflow="overflow" vert="horz" wrap="square" lIns="91440" tIns="45720" rIns="91440" bIns="45720" numCol="1" spcCol="0" rtlCol="0" fromWordArt="0" anchor="t" anchorCtr="0" forceAA="0" compatLnSpc="1">
+            <a:prstTxWarp prst="textNoShape">
+              <a:avLst/>
+            </a:prstTxWarp>
+            <a:spAutoFit/>
+          </a:bodyPr>
+          <a:lstStyle/>
+          <a:p>
+            <a:pPr marL="342900" indent="-342900">
+              <a:buAutoNum type="arabicPeriod"/>
+            </a:pPr>
+            <a:r>
+              <a:rPr lang="zh-CN" altLang="en-US" sz="1400" dirty="0"/>
+              <a:t>自动驾驶仪结构 </a:t>
+            </a:r>
+            <a:endParaRPr lang="en-US" altLang="zh-CN" sz="1400" dirty="0"/>
+          </a:p>
+          <a:p>
+            <a:pPr marL="342900" indent="-342900">
+              <a:buAutoNum type="arabicPeriod"/>
+            </a:pPr>
+            <a:r>
+              <a:rPr lang="zh-CN" altLang="en-US" sz="1400" dirty="0"/>
+              <a:t>自动驾驶仪各环节设计参数</a:t>
+            </a:r>
+            <a:endParaRPr lang="en-US" altLang="zh-CN" sz="1400" dirty="0"/>
+          </a:p>
+          <a:p>
+            <a:pPr marL="342900" indent="-342900">
+              <a:buAutoNum type="arabicPeriod"/>
+            </a:pPr>
+            <a:r>
+              <a:rPr lang="zh-CN" altLang="en-US" sz="1400" dirty="0"/>
+              <a:t>自动驾驶仪增益 </a:t>
+            </a:r>
+            <a:endParaRPr lang="en-US" altLang="zh-CN" sz="1400" dirty="0"/>
+          </a:p>
+          <a:p>
+            <a:pPr marL="342900" indent="-342900">
+              <a:buAutoNum type="arabicPeriod"/>
+            </a:pPr>
+            <a:r>
+              <a:rPr lang="zh-CN" altLang="en-US" sz="1400" dirty="0"/>
+              <a:t>自动驾驶仪阻尼 </a:t>
+            </a:r>
+            <a:endParaRPr lang="en-US" altLang="zh-CN" sz="1400" dirty="0"/>
+          </a:p>
+          <a:p>
+            <a:pPr marL="342900" indent="-342900">
+              <a:buAutoNum type="arabicPeriod"/>
+            </a:pPr>
+            <a:r>
+              <a:rPr lang="zh-CN" altLang="en-US" sz="1400" dirty="0"/>
+              <a:t>自动驾驶仪带宽 </a:t>
+            </a:r>
+            <a:endParaRPr lang="en-US" altLang="zh-CN" sz="1400" dirty="0"/>
+          </a:p>
+          <a:p>
+            <a:pPr marL="342900" indent="-342900">
+              <a:buAutoNum type="arabicPeriod"/>
+            </a:pPr>
+            <a:r>
+              <a:rPr lang="zh-CN" altLang="en-US" sz="1400" dirty="0"/>
+              <a:t>自动驾驶仪传感器精度要求</a:t>
+            </a:r>
+            <a:endParaRPr lang="en-US" altLang="zh-CN" sz="1400" dirty="0"/>
+          </a:p>
+        </p:txBody>
+      </p:sp>
+    </p:spTree>
+    <p:extLst>
+      <p:ext uri="{BB962C8B-B14F-4D97-AF65-F5344CB8AC3E}">
+        <p14:creationId xmlns:p14="http://schemas.microsoft.com/office/powerpoint/2010/main" val="2441643583"/>
+      </p:ext>
+    </p:extLst>
+  </p:cSld>
+  <p:clrMapOvr>
+    <a:masterClrMapping/>
+  </p:clrMapOvr>
+</p:sld>
+</file>
+
+<file path=ppt/slides/slide14.xml><?xml version="1.0" encoding="utf-8"?>
+<p:sld xmlns:a="http://schemas.openxmlformats.org/drawingml/2006/main" xmlns:r="http://schemas.openxmlformats.org/officeDocument/2006/relationships" xmlns:p="http://schemas.openxmlformats.org/presentationml/2006/main">
+  <p:cSld>
+    <p:spTree>
+      <p:nvGrpSpPr>
+        <p:cNvPr id="1" name=""/>
+        <p:cNvGrpSpPr/>
+        <p:nvPr/>
+      </p:nvGrpSpPr>
+      <p:grpSpPr>
+        <a:xfrm>
+          <a:off x="0" y="0"/>
+          <a:ext cx="0" cy="0"/>
+          <a:chOff x="0" y="0"/>
+          <a:chExt cx="0" cy="0"/>
+        </a:xfrm>
+      </p:grpSpPr>
+      <p:sp>
+        <p:nvSpPr>
+          <p:cNvPr id="4" name="矩形 3">
+            <a:extLst>
+              <a:ext uri="{FF2B5EF4-FFF2-40B4-BE49-F238E27FC236}">
+                <a16:creationId xmlns:a16="http://schemas.microsoft.com/office/drawing/2014/main" id="{1234BDE8-FFA0-4717-9FD3-8944BA25F64C}"/>
+              </a:ext>
+            </a:extLst>
+          </p:cNvPr>
+          <p:cNvSpPr/>
+          <p:nvPr/>
+        </p:nvSpPr>
+        <p:spPr>
+          <a:xfrm>
+            <a:off x="1732870" y="330071"/>
+            <a:ext cx="2328921" cy="5262979"/>
+          </a:xfrm>
+          <a:prstGeom prst="rect">
+            <a:avLst/>
+          </a:prstGeom>
+        </p:spPr>
+        <p:style>
+          <a:lnRef idx="2">
+            <a:schemeClr val="accent5"/>
+          </a:lnRef>
+          <a:fillRef idx="1">
+            <a:schemeClr val="lt1"/>
+          </a:fillRef>
+          <a:effectRef idx="0">
+            <a:schemeClr val="accent5"/>
+          </a:effectRef>
+          <a:fontRef idx="minor">
+            <a:schemeClr val="dk1"/>
+          </a:fontRef>
+        </p:style>
+        <p:txBody>
+          <a:bodyPr rtlCol="0" anchor="t" anchorCtr="0">
+            <a:spAutoFit/>
+          </a:bodyPr>
+          <a:lstStyle/>
+          <a:p>
+            <a:pPr marL="342900" indent="-342900">
+              <a:buAutoNum type="arabicPeriod"/>
+            </a:pPr>
+            <a:r>
+              <a:rPr lang="zh-CN" altLang="en-US" sz="1400" dirty="0"/>
+              <a:t>典型目标运动特性 </a:t>
+            </a:r>
+            <a:endParaRPr lang="en-US" altLang="zh-CN" sz="1400" dirty="0"/>
+          </a:p>
+          <a:p>
+            <a:pPr marL="342900" indent="-342900">
+              <a:buAutoNum type="arabicPeriod"/>
+            </a:pPr>
+            <a:r>
+              <a:rPr lang="zh-CN" altLang="en-US" sz="1400" dirty="0"/>
+              <a:t>导引规律 </a:t>
+            </a:r>
+            <a:endParaRPr lang="en-US" altLang="zh-CN" sz="1400" dirty="0"/>
+          </a:p>
+          <a:p>
+            <a:pPr marL="342900" indent="-342900">
+              <a:buAutoNum type="arabicPeriod"/>
+            </a:pPr>
+            <a:r>
+              <a:rPr lang="zh-CN" altLang="en-US" sz="1400" dirty="0"/>
+              <a:t>发动机推力 </a:t>
+            </a:r>
+            <a:endParaRPr lang="en-US" altLang="zh-CN" sz="1400" dirty="0"/>
+          </a:p>
+          <a:p>
+            <a:pPr marL="342900" indent="-342900">
+              <a:buAutoNum type="arabicPeriod"/>
+            </a:pPr>
+            <a:r>
+              <a:rPr lang="zh-CN" altLang="en-US" sz="1400" dirty="0"/>
+              <a:t>发动机工作时间 </a:t>
+            </a:r>
+            <a:endParaRPr lang="en-US" altLang="zh-CN" sz="1400" dirty="0"/>
+          </a:p>
+          <a:p>
+            <a:pPr marL="342900" indent="-342900">
+              <a:buAutoNum type="arabicPeriod"/>
+            </a:pPr>
+            <a:r>
+              <a:rPr lang="zh-CN" altLang="en-US" sz="1400" dirty="0"/>
+              <a:t>发动机质量秒流量 </a:t>
+            </a:r>
+            <a:endParaRPr lang="en-US" altLang="zh-CN" sz="1400" dirty="0"/>
+          </a:p>
+          <a:p>
+            <a:pPr marL="342900" indent="-342900">
+              <a:buAutoNum type="arabicPeriod"/>
+            </a:pPr>
+            <a:r>
+              <a:rPr lang="zh-CN" altLang="en-US" sz="1400" dirty="0"/>
+              <a:t>导弹满载质量、空载质量 </a:t>
+            </a:r>
+            <a:endParaRPr lang="en-US" altLang="zh-CN" sz="1400" dirty="0"/>
+          </a:p>
+          <a:p>
+            <a:pPr marL="342900" indent="-342900">
+              <a:buAutoNum type="arabicPeriod"/>
+            </a:pPr>
+            <a:r>
+              <a:rPr lang="zh-CN" altLang="en-US" sz="1400" dirty="0"/>
+              <a:t>导弹满载赤道转动惯量、空载赤道转动惯量 </a:t>
+            </a:r>
+            <a:endParaRPr lang="en-US" altLang="zh-CN" sz="1400" dirty="0"/>
+          </a:p>
+          <a:p>
+            <a:pPr marL="342900" indent="-342900">
+              <a:buAutoNum type="arabicPeriod"/>
+            </a:pPr>
+            <a:r>
+              <a:rPr lang="zh-CN" altLang="en-US" sz="1400" dirty="0"/>
+              <a:t>导弹满载极转动惯量、空载极转动惯量 </a:t>
+            </a:r>
+            <a:endParaRPr lang="en-US" altLang="zh-CN" sz="1400" dirty="0"/>
+          </a:p>
+          <a:p>
+            <a:pPr marL="342900" indent="-342900">
+              <a:buAutoNum type="arabicPeriod"/>
+            </a:pPr>
+            <a:r>
+              <a:rPr lang="zh-CN" altLang="en-US" sz="1400" dirty="0"/>
+              <a:t>升力系数、侧向力系数 阻力系数 </a:t>
+            </a:r>
+            <a:endParaRPr lang="en-US" altLang="zh-CN" sz="1400" dirty="0"/>
+          </a:p>
+          <a:p>
+            <a:pPr marL="342900" indent="-342900">
+              <a:buAutoNum type="arabicPeriod"/>
+            </a:pPr>
+            <a:r>
+              <a:rPr lang="zh-CN" altLang="en-US" sz="1400" dirty="0"/>
+              <a:t>俯仰力矩系数、偏航力矩系数 </a:t>
+            </a:r>
+            <a:endParaRPr lang="en-US" altLang="zh-CN" sz="1400" dirty="0"/>
+          </a:p>
+          <a:p>
+            <a:pPr marL="342900" indent="-342900">
+              <a:buAutoNum type="arabicPeriod"/>
+            </a:pPr>
+            <a:r>
+              <a:rPr lang="zh-CN" altLang="en-US" sz="1400" dirty="0"/>
+              <a:t>俯仰阻尼力矩系数导数、偏航阻尼力矩系数导数 </a:t>
+            </a:r>
+            <a:endParaRPr lang="en-US" altLang="zh-CN" sz="1400" dirty="0"/>
+          </a:p>
+          <a:p>
+            <a:pPr marL="342900" indent="-342900">
+              <a:buAutoNum type="arabicPeriod"/>
+            </a:pPr>
+            <a:r>
+              <a:rPr lang="zh-CN" altLang="en-US" sz="1400" dirty="0"/>
+              <a:t>控制力系数、控制力矩系数 </a:t>
+            </a:r>
+            <a:endParaRPr lang="en-US" altLang="zh-CN" sz="1400" dirty="0"/>
+          </a:p>
+          <a:p>
+            <a:pPr marL="342900" indent="-342900">
+              <a:buAutoNum type="arabicPeriod"/>
+            </a:pPr>
+            <a:r>
+              <a:rPr lang="zh-CN" altLang="en-US" sz="1400" dirty="0"/>
+              <a:t>滚转力矩系数 </a:t>
+            </a:r>
+            <a:endParaRPr lang="en-US" altLang="zh-CN" sz="1400" dirty="0"/>
+          </a:p>
+          <a:p>
+            <a:pPr marL="342900" indent="-342900">
+              <a:buAutoNum type="arabicPeriod"/>
+            </a:pPr>
+            <a:r>
+              <a:rPr lang="zh-CN" altLang="en-US" sz="1400" dirty="0"/>
+              <a:t>滚转阻尼力矩系数导数 </a:t>
+            </a:r>
+            <a:endParaRPr lang="en-US" altLang="zh-CN" sz="1400" dirty="0"/>
+          </a:p>
+          <a:p>
+            <a:pPr marL="342900" indent="-342900">
+              <a:buAutoNum type="arabicPeriod"/>
+            </a:pPr>
+            <a:r>
+              <a:rPr lang="zh-CN" altLang="en-US" sz="1400" dirty="0"/>
+              <a:t>马格努斯力矩系数导数 </a:t>
+            </a:r>
+            <a:endParaRPr lang="en-US" altLang="zh-CN" sz="1400" dirty="0"/>
+          </a:p>
+          <a:p>
+            <a:pPr marL="342900" indent="-342900">
+              <a:buAutoNum type="arabicPeriod"/>
+            </a:pPr>
+            <a:r>
+              <a:rPr lang="zh-CN" altLang="en-US" sz="1400" dirty="0"/>
+              <a:t>初始发射条件 </a:t>
+            </a:r>
+            <a:endParaRPr lang="en-US" altLang="zh-CN" sz="1400" dirty="0"/>
+          </a:p>
+          <a:p>
+            <a:pPr marL="342900" indent="-342900">
+              <a:buAutoNum type="arabicPeriod"/>
+            </a:pPr>
+            <a:r>
+              <a:rPr lang="zh-CN" altLang="en-US" sz="1400" dirty="0"/>
+              <a:t>各种误差及干扰因素</a:t>
+            </a:r>
+            <a:endParaRPr lang="en-US" altLang="zh-CN" sz="1400" dirty="0"/>
+          </a:p>
+        </p:txBody>
+      </p:sp>
+      <p:sp>
+        <p:nvSpPr>
+          <p:cNvPr id="5" name="箭头: 右 4">
+            <a:extLst>
+              <a:ext uri="{FF2B5EF4-FFF2-40B4-BE49-F238E27FC236}">
+                <a16:creationId xmlns:a16="http://schemas.microsoft.com/office/drawing/2014/main" id="{6D570941-EE07-410D-B78D-C03A7050233C}"/>
+              </a:ext>
+            </a:extLst>
+          </p:cNvPr>
+          <p:cNvSpPr/>
+          <p:nvPr/>
+        </p:nvSpPr>
+        <p:spPr>
+          <a:xfrm>
+            <a:off x="4061791" y="2848918"/>
+            <a:ext cx="636104" cy="225287"/>
+          </a:xfrm>
+          <a:prstGeom prst="rightArrow">
+            <a:avLst/>
+          </a:prstGeom>
+        </p:spPr>
+        <p:style>
+          <a:lnRef idx="2">
+            <a:schemeClr val="accent5"/>
+          </a:lnRef>
+          <a:fillRef idx="1">
+            <a:schemeClr val="lt1"/>
+          </a:fillRef>
+          <a:effectRef idx="0">
+            <a:schemeClr val="accent5"/>
+          </a:effectRef>
+          <a:fontRef idx="minor">
+            <a:schemeClr val="dk1"/>
+          </a:fontRef>
+        </p:style>
+        <p:txBody>
+          <a:bodyPr rtlCol="0" anchor="ctr"/>
+          <a:lstStyle/>
+          <a:p>
+            <a:pPr algn="ctr"/>
+            <a:endParaRPr lang="zh-CN" altLang="en-US"/>
+          </a:p>
+        </p:txBody>
+      </p:sp>
+      <p:sp>
+        <p:nvSpPr>
+          <p:cNvPr id="6" name="矩形 5">
+            <a:extLst>
+              <a:ext uri="{FF2B5EF4-FFF2-40B4-BE49-F238E27FC236}">
+                <a16:creationId xmlns:a16="http://schemas.microsoft.com/office/drawing/2014/main" id="{DE4C6CAD-4236-4C3D-BC21-C910251071F4}"/>
+              </a:ext>
+            </a:extLst>
+          </p:cNvPr>
+          <p:cNvSpPr/>
+          <p:nvPr/>
+        </p:nvSpPr>
+        <p:spPr>
+          <a:xfrm>
+            <a:off x="4697895" y="2786732"/>
+            <a:ext cx="1457245" cy="307777"/>
+          </a:xfrm>
+          <a:prstGeom prst="rect">
+            <a:avLst/>
+          </a:prstGeom>
+        </p:spPr>
+        <p:style>
+          <a:lnRef idx="2">
+            <a:schemeClr val="accent5"/>
+          </a:lnRef>
+          <a:fillRef idx="1">
+            <a:schemeClr val="lt1"/>
+          </a:fillRef>
+          <a:effectRef idx="0">
+            <a:schemeClr val="accent5"/>
+          </a:effectRef>
+          <a:fontRef idx="minor">
+            <a:schemeClr val="dk1"/>
+          </a:fontRef>
+        </p:style>
+        <p:txBody>
+          <a:bodyPr rot="0" spcFirstLastPara="0" vertOverflow="overflow" horzOverflow="overflow" vert="horz" wrap="square" lIns="91440" tIns="45720" rIns="91440" bIns="45720" numCol="1" spcCol="0" rtlCol="0" fromWordArt="0" anchor="t" anchorCtr="0" forceAA="0" compatLnSpc="1">
+            <a:prstTxWarp prst="textNoShape">
+              <a:avLst/>
+            </a:prstTxWarp>
+            <a:spAutoFit/>
+          </a:bodyPr>
+          <a:lstStyle/>
+          <a:p>
+            <a:r>
+              <a:rPr lang="zh-CN" altLang="en-US" sz="1400" dirty="0"/>
+              <a:t>有控刚体仿真</a:t>
+            </a:r>
+          </a:p>
+        </p:txBody>
+      </p:sp>
+      <p:sp>
+        <p:nvSpPr>
+          <p:cNvPr id="7" name="箭头: 右 6">
+            <a:extLst>
+              <a:ext uri="{FF2B5EF4-FFF2-40B4-BE49-F238E27FC236}">
+                <a16:creationId xmlns:a16="http://schemas.microsoft.com/office/drawing/2014/main" id="{920C7DA2-D895-4CCC-A7F9-2C0DF5EE2E2A}"/>
+              </a:ext>
+            </a:extLst>
+          </p:cNvPr>
+          <p:cNvSpPr/>
+          <p:nvPr/>
+        </p:nvSpPr>
+        <p:spPr>
+          <a:xfrm>
+            <a:off x="6155140" y="2848918"/>
+            <a:ext cx="636104" cy="225287"/>
+          </a:xfrm>
+          <a:prstGeom prst="rightArrow">
+            <a:avLst/>
+          </a:prstGeom>
+        </p:spPr>
+        <p:style>
+          <a:lnRef idx="2">
+            <a:schemeClr val="accent5"/>
+          </a:lnRef>
+          <a:fillRef idx="1">
+            <a:schemeClr val="lt1"/>
+          </a:fillRef>
+          <a:effectRef idx="0">
+            <a:schemeClr val="accent5"/>
+          </a:effectRef>
+          <a:fontRef idx="minor">
+            <a:schemeClr val="dk1"/>
+          </a:fontRef>
+        </p:style>
+        <p:txBody>
+          <a:bodyPr rtlCol="0" anchor="ctr"/>
+          <a:lstStyle/>
+          <a:p>
+            <a:pPr algn="ctr"/>
+            <a:endParaRPr lang="zh-CN" altLang="en-US"/>
+          </a:p>
+        </p:txBody>
+      </p:sp>
+      <p:sp>
+        <p:nvSpPr>
+          <p:cNvPr id="8" name="矩形 7">
+            <a:extLst>
+              <a:ext uri="{FF2B5EF4-FFF2-40B4-BE49-F238E27FC236}">
+                <a16:creationId xmlns:a16="http://schemas.microsoft.com/office/drawing/2014/main" id="{D089FA92-7680-4DEC-95CF-CD5630D64FC6}"/>
+              </a:ext>
+            </a:extLst>
+          </p:cNvPr>
+          <p:cNvSpPr/>
+          <p:nvPr/>
+        </p:nvSpPr>
+        <p:spPr>
+          <a:xfrm>
+            <a:off x="6791244" y="2463566"/>
+            <a:ext cx="3055616" cy="954107"/>
+          </a:xfrm>
+          <a:prstGeom prst="rect">
+            <a:avLst/>
+          </a:prstGeom>
+        </p:spPr>
+        <p:style>
+          <a:lnRef idx="2">
+            <a:schemeClr val="accent5"/>
+          </a:lnRef>
+          <a:fillRef idx="1">
+            <a:schemeClr val="lt1"/>
+          </a:fillRef>
+          <a:effectRef idx="0">
+            <a:schemeClr val="accent5"/>
+          </a:effectRef>
+          <a:fontRef idx="minor">
+            <a:schemeClr val="dk1"/>
+          </a:fontRef>
+        </p:style>
+        <p:txBody>
+          <a:bodyPr rot="0" spcFirstLastPara="0" vertOverflow="overflow" horzOverflow="overflow" vert="horz" wrap="square" lIns="91440" tIns="45720" rIns="91440" bIns="45720" numCol="1" spcCol="0" rtlCol="0" fromWordArt="0" anchor="t" anchorCtr="0" forceAA="0" compatLnSpc="1">
+            <a:prstTxWarp prst="textNoShape">
+              <a:avLst/>
+            </a:prstTxWarp>
+            <a:spAutoFit/>
+          </a:bodyPr>
+          <a:lstStyle/>
+          <a:p>
+            <a:pPr marL="342900" indent="-342900">
+              <a:buAutoNum type="arabicPeriod"/>
+            </a:pPr>
+            <a:r>
+              <a:rPr lang="zh-CN" altLang="en-US" sz="1400" dirty="0"/>
+              <a:t>有控状态下导弹弹道特性 </a:t>
+            </a:r>
+            <a:endParaRPr lang="en-US" altLang="zh-CN" sz="1400" dirty="0"/>
+          </a:p>
+          <a:p>
+            <a:pPr marL="342900" indent="-342900">
+              <a:buAutoNum type="arabicPeriod"/>
+            </a:pPr>
+            <a:r>
+              <a:rPr lang="zh-CN" altLang="en-US" sz="1400" dirty="0"/>
+              <a:t>有控状态下弹体姿态运动特性 </a:t>
+            </a:r>
+            <a:endParaRPr lang="en-US" altLang="zh-CN" sz="1400" dirty="0"/>
+          </a:p>
+          <a:p>
+            <a:pPr marL="342900" indent="-342900">
+              <a:buAutoNum type="arabicPeriod"/>
+            </a:pPr>
+            <a:r>
+              <a:rPr lang="zh-CN" altLang="en-US" sz="1400" dirty="0"/>
+              <a:t>导弹命中精度 </a:t>
+            </a:r>
+            <a:endParaRPr lang="en-US" altLang="zh-CN" sz="1400" dirty="0"/>
+          </a:p>
+          <a:p>
+            <a:pPr marL="342900" indent="-342900">
+              <a:buAutoNum type="arabicPeriod"/>
+            </a:pPr>
+            <a:r>
+              <a:rPr lang="zh-CN" altLang="en-US" sz="1400" dirty="0"/>
+              <a:t>有效攻击区域</a:t>
+            </a:r>
+            <a:endParaRPr lang="en-US" altLang="zh-CN" sz="1400" dirty="0"/>
+          </a:p>
+        </p:txBody>
+      </p:sp>
+    </p:spTree>
+    <p:extLst>
+      <p:ext uri="{BB962C8B-B14F-4D97-AF65-F5344CB8AC3E}">
+        <p14:creationId xmlns:p14="http://schemas.microsoft.com/office/powerpoint/2010/main" val="3608935594"/>
+      </p:ext>
+    </p:extLst>
+  </p:cSld>
+  <p:clrMapOvr>
+    <a:masterClrMapping/>
+  </p:clrMapOvr>
+</p:sld>
+</file>
+
 <file path=ppt/slides/slide2.xml><?xml version="1.0" encoding="utf-8"?>
 <p:sld xmlns:a="http://schemas.openxmlformats.org/drawingml/2006/main" xmlns:r="http://schemas.openxmlformats.org/officeDocument/2006/relationships" xmlns:p="http://schemas.openxmlformats.org/presentationml/2006/main">
   <p:cSld>
@@ -5113,6 +7242,1814 @@
     <p:extLst>
       <p:ext uri="{BB962C8B-B14F-4D97-AF65-F5344CB8AC3E}">
         <p14:creationId xmlns:p14="http://schemas.microsoft.com/office/powerpoint/2010/main" val="2876357552"/>
+      </p:ext>
+    </p:extLst>
+  </p:cSld>
+  <p:clrMapOvr>
+    <a:masterClrMapping/>
+  </p:clrMapOvr>
+</p:sld>
+</file>
+
+<file path=ppt/slides/slide6.xml><?xml version="1.0" encoding="utf-8"?>
+<p:sld xmlns:a="http://schemas.openxmlformats.org/drawingml/2006/main" xmlns:r="http://schemas.openxmlformats.org/officeDocument/2006/relationships" xmlns:p="http://schemas.openxmlformats.org/presentationml/2006/main">
+  <p:cSld>
+    <p:spTree>
+      <p:nvGrpSpPr>
+        <p:cNvPr id="1" name=""/>
+        <p:cNvGrpSpPr/>
+        <p:nvPr/>
+      </p:nvGrpSpPr>
+      <p:grpSpPr>
+        <a:xfrm>
+          <a:off x="0" y="0"/>
+          <a:ext cx="0" cy="0"/>
+          <a:chOff x="0" y="0"/>
+          <a:chExt cx="0" cy="0"/>
+        </a:xfrm>
+      </p:grpSpPr>
+      <p:sp>
+        <p:nvSpPr>
+          <p:cNvPr id="4" name="矩形 3">
+            <a:extLst>
+              <a:ext uri="{FF2B5EF4-FFF2-40B4-BE49-F238E27FC236}">
+                <a16:creationId xmlns:a16="http://schemas.microsoft.com/office/drawing/2014/main" id="{1234BDE8-FFA0-4717-9FD3-8944BA25F64C}"/>
+              </a:ext>
+            </a:extLst>
+          </p:cNvPr>
+          <p:cNvSpPr/>
+          <p:nvPr/>
+        </p:nvSpPr>
+        <p:spPr>
+          <a:xfrm>
+            <a:off x="1722135" y="764775"/>
+            <a:ext cx="2328921" cy="4401205"/>
+          </a:xfrm>
+          <a:prstGeom prst="rect">
+            <a:avLst/>
+          </a:prstGeom>
+        </p:spPr>
+        <p:style>
+          <a:lnRef idx="2">
+            <a:schemeClr val="accent5"/>
+          </a:lnRef>
+          <a:fillRef idx="1">
+            <a:schemeClr val="lt1"/>
+          </a:fillRef>
+          <a:effectRef idx="0">
+            <a:schemeClr val="accent5"/>
+          </a:effectRef>
+          <a:fontRef idx="minor">
+            <a:schemeClr val="dk1"/>
+          </a:fontRef>
+        </p:style>
+        <p:txBody>
+          <a:bodyPr rtlCol="0" anchor="t" anchorCtr="0">
+            <a:spAutoFit/>
+          </a:bodyPr>
+          <a:lstStyle/>
+          <a:p>
+            <a:pPr marL="342900" indent="-342900">
+              <a:buAutoNum type="arabicPeriod"/>
+            </a:pPr>
+            <a:r>
+              <a:rPr lang="zh-CN" altLang="en-US" sz="1400" dirty="0"/>
+              <a:t>导弹基本气动布局形式</a:t>
+            </a:r>
+            <a:endParaRPr lang="en-US" altLang="zh-CN" sz="1400" dirty="0"/>
+          </a:p>
+          <a:p>
+            <a:pPr marL="342900" indent="-342900">
+              <a:buAutoNum type="arabicPeriod"/>
+            </a:pPr>
+            <a:r>
+              <a:rPr lang="zh-CN" altLang="en-US" sz="1400" dirty="0"/>
+              <a:t>弹身直径</a:t>
+            </a:r>
+            <a:endParaRPr lang="en-US" altLang="zh-CN" sz="1400" dirty="0"/>
+          </a:p>
+          <a:p>
+            <a:pPr marL="342900" indent="-342900">
+              <a:buAutoNum type="arabicPeriod"/>
+            </a:pPr>
+            <a:r>
+              <a:rPr lang="zh-CN" altLang="en-US" sz="1400" dirty="0"/>
+              <a:t>初步估算的舵机舱段尺寸，质量以及转动惯量</a:t>
+            </a:r>
+            <a:endParaRPr lang="en-US" altLang="zh-CN" sz="1400" dirty="0"/>
+          </a:p>
+          <a:p>
+            <a:pPr marL="342900" indent="-342900">
+              <a:buAutoNum type="arabicPeriod"/>
+            </a:pPr>
+            <a:r>
+              <a:rPr lang="zh-CN" altLang="en-US" sz="1400" dirty="0"/>
+              <a:t>电子仓尺寸，质量以及转动惯量</a:t>
+            </a:r>
+            <a:endParaRPr lang="en-US" altLang="zh-CN" sz="1400" dirty="0"/>
+          </a:p>
+          <a:p>
+            <a:pPr marL="342900" indent="-342900">
+              <a:buAutoNum type="arabicPeriod"/>
+            </a:pPr>
+            <a:r>
+              <a:rPr lang="zh-CN" altLang="en-US" sz="1400" dirty="0"/>
+              <a:t>导引头</a:t>
+            </a:r>
+            <a:r>
+              <a:rPr lang="en-US" altLang="zh-CN" sz="1400" dirty="0"/>
+              <a:t>~</a:t>
+            </a:r>
+          </a:p>
+          <a:p>
+            <a:pPr marL="342900" indent="-342900">
+              <a:buAutoNum type="arabicPeriod"/>
+            </a:pPr>
+            <a:r>
+              <a:rPr lang="zh-CN" altLang="en-US" sz="1400" dirty="0"/>
+              <a:t>战斗部舱段</a:t>
+            </a:r>
+            <a:r>
+              <a:rPr lang="en-US" altLang="zh-CN" sz="1400" dirty="0"/>
+              <a:t>~</a:t>
+            </a:r>
+          </a:p>
+          <a:p>
+            <a:pPr marL="342900" indent="-342900">
+              <a:buAutoNum type="arabicPeriod"/>
+            </a:pPr>
+            <a:r>
+              <a:rPr lang="zh-CN" altLang="en-US" sz="1400" dirty="0"/>
+              <a:t>串联两级战斗部间距要求</a:t>
+            </a:r>
+            <a:endParaRPr lang="en-US" altLang="zh-CN" sz="1400" dirty="0"/>
+          </a:p>
+          <a:p>
+            <a:pPr marL="342900" indent="-342900">
+              <a:buAutoNum type="arabicPeriod"/>
+            </a:pPr>
+            <a:r>
+              <a:rPr lang="zh-CN" altLang="en-US" sz="1400" dirty="0"/>
+              <a:t>发动机长度</a:t>
+            </a:r>
+            <a:endParaRPr lang="en-US" altLang="zh-CN" sz="1400" dirty="0"/>
+          </a:p>
+          <a:p>
+            <a:pPr marL="342900" indent="-342900">
+              <a:buAutoNum type="arabicPeriod"/>
+            </a:pPr>
+            <a:r>
+              <a:rPr lang="zh-CN" altLang="en-US" sz="1400" dirty="0"/>
+              <a:t>发动机直径</a:t>
+            </a:r>
+            <a:endParaRPr lang="en-US" altLang="zh-CN" sz="1400" dirty="0"/>
+          </a:p>
+          <a:p>
+            <a:pPr marL="342900" indent="-342900">
+              <a:buAutoNum type="arabicPeriod"/>
+            </a:pPr>
+            <a:r>
+              <a:rPr lang="zh-CN" altLang="en-US" sz="1400" dirty="0"/>
+              <a:t>发动机满载质量、空载质量</a:t>
+            </a:r>
+            <a:endParaRPr lang="en-US" altLang="zh-CN" sz="1400" dirty="0"/>
+          </a:p>
+          <a:p>
+            <a:pPr marL="342900" indent="-342900">
+              <a:buAutoNum type="arabicPeriod"/>
+            </a:pPr>
+            <a:r>
+              <a:rPr lang="zh-CN" altLang="en-US" sz="1400" dirty="0"/>
+              <a:t>发动机满载空载质心</a:t>
+            </a:r>
+            <a:endParaRPr lang="en-US" altLang="zh-CN" sz="1400" dirty="0"/>
+          </a:p>
+          <a:p>
+            <a:pPr marL="342900" indent="-342900">
+              <a:buAutoNum type="arabicPeriod"/>
+            </a:pPr>
+            <a:r>
+              <a:rPr lang="zh-CN" altLang="en-US" sz="1400" dirty="0"/>
+              <a:t>发动机满载空载转动惯量</a:t>
+            </a:r>
+            <a:endParaRPr lang="en-US" altLang="zh-CN" sz="1400" dirty="0"/>
+          </a:p>
+          <a:p>
+            <a:pPr marL="342900" indent="-342900">
+              <a:buAutoNum type="arabicPeriod"/>
+            </a:pPr>
+            <a:r>
+              <a:rPr lang="zh-CN" altLang="en-US" sz="1400" dirty="0"/>
+              <a:t>导弹需用法向过载</a:t>
+            </a:r>
+            <a:endParaRPr lang="en-US" altLang="zh-CN" sz="1400" dirty="0"/>
+          </a:p>
+          <a:p>
+            <a:pPr marL="342900" indent="-342900">
+              <a:buAutoNum type="arabicPeriod"/>
+            </a:pPr>
+            <a:r>
+              <a:rPr lang="zh-CN" altLang="en-US" sz="1400" dirty="0"/>
+              <a:t>弹上传感器对部位安排的需要</a:t>
+            </a:r>
+            <a:endParaRPr lang="en-US" altLang="zh-CN" sz="1400" dirty="0"/>
+          </a:p>
+        </p:txBody>
+      </p:sp>
+      <p:sp>
+        <p:nvSpPr>
+          <p:cNvPr id="5" name="箭头: 右 4">
+            <a:extLst>
+              <a:ext uri="{FF2B5EF4-FFF2-40B4-BE49-F238E27FC236}">
+                <a16:creationId xmlns:a16="http://schemas.microsoft.com/office/drawing/2014/main" id="{6D570941-EE07-410D-B78D-C03A7050233C}"/>
+              </a:ext>
+            </a:extLst>
+          </p:cNvPr>
+          <p:cNvSpPr/>
+          <p:nvPr/>
+        </p:nvSpPr>
+        <p:spPr>
+          <a:xfrm>
+            <a:off x="4051056" y="2852735"/>
+            <a:ext cx="636104" cy="225287"/>
+          </a:xfrm>
+          <a:prstGeom prst="rightArrow">
+            <a:avLst/>
+          </a:prstGeom>
+        </p:spPr>
+        <p:style>
+          <a:lnRef idx="2">
+            <a:schemeClr val="accent5"/>
+          </a:lnRef>
+          <a:fillRef idx="1">
+            <a:schemeClr val="lt1"/>
+          </a:fillRef>
+          <a:effectRef idx="0">
+            <a:schemeClr val="accent5"/>
+          </a:effectRef>
+          <a:fontRef idx="minor">
+            <a:schemeClr val="dk1"/>
+          </a:fontRef>
+        </p:style>
+        <p:txBody>
+          <a:bodyPr rtlCol="0" anchor="ctr"/>
+          <a:lstStyle/>
+          <a:p>
+            <a:pPr algn="ctr"/>
+            <a:endParaRPr lang="zh-CN" altLang="en-US" dirty="0"/>
+          </a:p>
+        </p:txBody>
+      </p:sp>
+      <p:sp>
+        <p:nvSpPr>
+          <p:cNvPr id="6" name="矩形 5">
+            <a:extLst>
+              <a:ext uri="{FF2B5EF4-FFF2-40B4-BE49-F238E27FC236}">
+                <a16:creationId xmlns:a16="http://schemas.microsoft.com/office/drawing/2014/main" id="{DE4C6CAD-4236-4C3D-BC21-C910251071F4}"/>
+              </a:ext>
+            </a:extLst>
+          </p:cNvPr>
+          <p:cNvSpPr/>
+          <p:nvPr/>
+        </p:nvSpPr>
+        <p:spPr>
+          <a:xfrm>
+            <a:off x="4697895" y="2811491"/>
+            <a:ext cx="1457245" cy="307777"/>
+          </a:xfrm>
+          <a:prstGeom prst="rect">
+            <a:avLst/>
+          </a:prstGeom>
+        </p:spPr>
+        <p:style>
+          <a:lnRef idx="2">
+            <a:schemeClr val="accent5"/>
+          </a:lnRef>
+          <a:fillRef idx="1">
+            <a:schemeClr val="lt1"/>
+          </a:fillRef>
+          <a:effectRef idx="0">
+            <a:schemeClr val="accent5"/>
+          </a:effectRef>
+          <a:fontRef idx="minor">
+            <a:schemeClr val="dk1"/>
+          </a:fontRef>
+        </p:style>
+        <p:txBody>
+          <a:bodyPr rot="0" spcFirstLastPara="0" vertOverflow="overflow" horzOverflow="overflow" vert="horz" wrap="square" lIns="91440" tIns="45720" rIns="91440" bIns="45720" numCol="1" spcCol="0" rtlCol="0" fromWordArt="0" anchor="t" anchorCtr="0" forceAA="0" compatLnSpc="1">
+            <a:prstTxWarp prst="textNoShape">
+              <a:avLst/>
+            </a:prstTxWarp>
+            <a:spAutoFit/>
+          </a:bodyPr>
+          <a:lstStyle/>
+          <a:p>
+            <a:r>
+              <a:rPr lang="zh-CN" altLang="en-US" sz="1400" dirty="0"/>
+              <a:t>第一轮结构设计</a:t>
+            </a:r>
+          </a:p>
+        </p:txBody>
+      </p:sp>
+      <p:sp>
+        <p:nvSpPr>
+          <p:cNvPr id="7" name="箭头: 右 6">
+            <a:extLst>
+              <a:ext uri="{FF2B5EF4-FFF2-40B4-BE49-F238E27FC236}">
+                <a16:creationId xmlns:a16="http://schemas.microsoft.com/office/drawing/2014/main" id="{920C7DA2-D895-4CCC-A7F9-2C0DF5EE2E2A}"/>
+              </a:ext>
+            </a:extLst>
+          </p:cNvPr>
+          <p:cNvSpPr/>
+          <p:nvPr/>
+        </p:nvSpPr>
+        <p:spPr>
+          <a:xfrm>
+            <a:off x="6144405" y="2852735"/>
+            <a:ext cx="636104" cy="225287"/>
+          </a:xfrm>
+          <a:prstGeom prst="rightArrow">
+            <a:avLst/>
+          </a:prstGeom>
+        </p:spPr>
+        <p:style>
+          <a:lnRef idx="2">
+            <a:schemeClr val="accent5"/>
+          </a:lnRef>
+          <a:fillRef idx="1">
+            <a:schemeClr val="lt1"/>
+          </a:fillRef>
+          <a:effectRef idx="0">
+            <a:schemeClr val="accent5"/>
+          </a:effectRef>
+          <a:fontRef idx="minor">
+            <a:schemeClr val="dk1"/>
+          </a:fontRef>
+        </p:style>
+        <p:txBody>
+          <a:bodyPr rtlCol="0" anchor="ctr"/>
+          <a:lstStyle/>
+          <a:p>
+            <a:pPr algn="ctr"/>
+            <a:endParaRPr lang="zh-CN" altLang="en-US"/>
+          </a:p>
+        </p:txBody>
+      </p:sp>
+      <p:sp>
+        <p:nvSpPr>
+          <p:cNvPr id="8" name="矩形 7">
+            <a:extLst>
+              <a:ext uri="{FF2B5EF4-FFF2-40B4-BE49-F238E27FC236}">
+                <a16:creationId xmlns:a16="http://schemas.microsoft.com/office/drawing/2014/main" id="{D089FA92-7680-4DEC-95CF-CD5630D64FC6}"/>
+              </a:ext>
+            </a:extLst>
+          </p:cNvPr>
+          <p:cNvSpPr/>
+          <p:nvPr/>
+        </p:nvSpPr>
+        <p:spPr>
+          <a:xfrm>
+            <a:off x="6791244" y="2236673"/>
+            <a:ext cx="3055616" cy="1600438"/>
+          </a:xfrm>
+          <a:prstGeom prst="rect">
+            <a:avLst/>
+          </a:prstGeom>
+        </p:spPr>
+        <p:style>
+          <a:lnRef idx="2">
+            <a:schemeClr val="accent5"/>
+          </a:lnRef>
+          <a:fillRef idx="1">
+            <a:schemeClr val="lt1"/>
+          </a:fillRef>
+          <a:effectRef idx="0">
+            <a:schemeClr val="accent5"/>
+          </a:effectRef>
+          <a:fontRef idx="minor">
+            <a:schemeClr val="dk1"/>
+          </a:fontRef>
+        </p:style>
+        <p:txBody>
+          <a:bodyPr rot="0" spcFirstLastPara="0" vertOverflow="overflow" horzOverflow="overflow" vert="horz" wrap="square" lIns="91440" tIns="45720" rIns="91440" bIns="45720" numCol="1" spcCol="0" rtlCol="0" fromWordArt="0" anchor="t" anchorCtr="0" forceAA="0" compatLnSpc="1">
+            <a:prstTxWarp prst="textNoShape">
+              <a:avLst/>
+            </a:prstTxWarp>
+            <a:spAutoFit/>
+          </a:bodyPr>
+          <a:lstStyle/>
+          <a:p>
+            <a:pPr marL="342900" indent="-342900">
+              <a:buAutoNum type="arabicPeriod"/>
+            </a:pPr>
+            <a:r>
+              <a:rPr lang="zh-CN" altLang="en-US" sz="1400" dirty="0"/>
+              <a:t>弹身部位安装</a:t>
+            </a:r>
+            <a:endParaRPr lang="en-US" altLang="zh-CN" sz="1400" dirty="0"/>
+          </a:p>
+          <a:p>
+            <a:pPr marL="342900" indent="-342900">
+              <a:buAutoNum type="arabicPeriod"/>
+            </a:pPr>
+            <a:r>
+              <a:rPr lang="zh-CN" altLang="en-US" sz="1400" dirty="0"/>
+              <a:t>初步确定的舵机舱段的位置</a:t>
+            </a:r>
+            <a:endParaRPr lang="en-US" altLang="zh-CN" sz="1400" dirty="0"/>
+          </a:p>
+          <a:p>
+            <a:pPr marL="342900" indent="-342900">
+              <a:buAutoNum type="arabicPeriod"/>
+            </a:pPr>
+            <a:r>
+              <a:rPr lang="zh-CN" altLang="en-US" sz="1400" dirty="0"/>
+              <a:t>关键结构连接件</a:t>
+            </a:r>
+            <a:endParaRPr lang="en-US" altLang="zh-CN" sz="1400" dirty="0"/>
+          </a:p>
+          <a:p>
+            <a:pPr marL="342900" indent="-342900">
+              <a:buAutoNum type="arabicPeriod"/>
+            </a:pPr>
+            <a:r>
+              <a:rPr lang="zh-CN" altLang="en-US" sz="1400" dirty="0"/>
+              <a:t>弹身尺寸</a:t>
+            </a:r>
+            <a:endParaRPr lang="en-US" altLang="zh-CN" sz="1400" dirty="0"/>
+          </a:p>
+          <a:p>
+            <a:pPr marL="342900" indent="-342900">
+              <a:buAutoNum type="arabicPeriod"/>
+            </a:pPr>
+            <a:r>
+              <a:rPr lang="zh-CN" altLang="en-US" sz="1400" dirty="0"/>
+              <a:t>弹身满载空载质量</a:t>
+            </a:r>
+            <a:endParaRPr lang="en-US" altLang="zh-CN" sz="1400" dirty="0"/>
+          </a:p>
+          <a:p>
+            <a:pPr marL="342900" indent="-342900">
+              <a:buAutoNum type="arabicPeriod"/>
+            </a:pPr>
+            <a:r>
+              <a:rPr lang="en-US" altLang="zh-CN" sz="1400" dirty="0"/>
+              <a:t>~</a:t>
+            </a:r>
+            <a:r>
+              <a:rPr lang="zh-CN" altLang="en-US" sz="1400" dirty="0"/>
+              <a:t>质心</a:t>
+            </a:r>
+            <a:endParaRPr lang="en-US" altLang="zh-CN" sz="1400" dirty="0"/>
+          </a:p>
+          <a:p>
+            <a:pPr marL="342900" indent="-342900">
+              <a:buAutoNum type="arabicPeriod"/>
+            </a:pPr>
+            <a:r>
+              <a:rPr lang="en-US" altLang="zh-CN" sz="1400" dirty="0"/>
+              <a:t>~</a:t>
+            </a:r>
+            <a:r>
+              <a:rPr lang="zh-CN" altLang="en-US" sz="1400" dirty="0"/>
+              <a:t>转动惯量</a:t>
+            </a:r>
+            <a:endParaRPr lang="en-US" altLang="zh-CN" sz="1400" dirty="0"/>
+          </a:p>
+        </p:txBody>
+      </p:sp>
+    </p:spTree>
+    <p:extLst>
+      <p:ext uri="{BB962C8B-B14F-4D97-AF65-F5344CB8AC3E}">
+        <p14:creationId xmlns:p14="http://schemas.microsoft.com/office/powerpoint/2010/main" val="1906659662"/>
+      </p:ext>
+    </p:extLst>
+  </p:cSld>
+  <p:clrMapOvr>
+    <a:masterClrMapping/>
+  </p:clrMapOvr>
+</p:sld>
+</file>
+
+<file path=ppt/slides/slide7.xml><?xml version="1.0" encoding="utf-8"?>
+<p:sld xmlns:a="http://schemas.openxmlformats.org/drawingml/2006/main" xmlns:r="http://schemas.openxmlformats.org/officeDocument/2006/relationships" xmlns:p="http://schemas.openxmlformats.org/presentationml/2006/main">
+  <p:cSld>
+    <p:spTree>
+      <p:nvGrpSpPr>
+        <p:cNvPr id="1" name=""/>
+        <p:cNvGrpSpPr/>
+        <p:nvPr/>
+      </p:nvGrpSpPr>
+      <p:grpSpPr>
+        <a:xfrm>
+          <a:off x="0" y="0"/>
+          <a:ext cx="0" cy="0"/>
+          <a:chOff x="0" y="0"/>
+          <a:chExt cx="0" cy="0"/>
+        </a:xfrm>
+      </p:grpSpPr>
+      <p:sp>
+        <p:nvSpPr>
+          <p:cNvPr id="4" name="矩形 3">
+            <a:extLst>
+              <a:ext uri="{FF2B5EF4-FFF2-40B4-BE49-F238E27FC236}">
+                <a16:creationId xmlns:a16="http://schemas.microsoft.com/office/drawing/2014/main" id="{1234BDE8-FFA0-4717-9FD3-8944BA25F64C}"/>
+              </a:ext>
+            </a:extLst>
+          </p:cNvPr>
+          <p:cNvSpPr/>
+          <p:nvPr/>
+        </p:nvSpPr>
+        <p:spPr>
+          <a:xfrm>
+            <a:off x="1732870" y="1513911"/>
+            <a:ext cx="2328921" cy="2893100"/>
+          </a:xfrm>
+          <a:prstGeom prst="rect">
+            <a:avLst/>
+          </a:prstGeom>
+        </p:spPr>
+        <p:style>
+          <a:lnRef idx="2">
+            <a:schemeClr val="accent5"/>
+          </a:lnRef>
+          <a:fillRef idx="1">
+            <a:schemeClr val="lt1"/>
+          </a:fillRef>
+          <a:effectRef idx="0">
+            <a:schemeClr val="accent5"/>
+          </a:effectRef>
+          <a:fontRef idx="minor">
+            <a:schemeClr val="dk1"/>
+          </a:fontRef>
+        </p:style>
+        <p:txBody>
+          <a:bodyPr rtlCol="0" anchor="t" anchorCtr="0">
+            <a:spAutoFit/>
+          </a:bodyPr>
+          <a:lstStyle/>
+          <a:p>
+            <a:pPr marL="342900" indent="-342900">
+              <a:buAutoNum type="arabicPeriod"/>
+            </a:pPr>
+            <a:r>
+              <a:rPr lang="zh-CN" altLang="en-US" sz="1400" dirty="0"/>
+              <a:t>战术技术要求的导弹外形尺寸的限制</a:t>
+            </a:r>
+            <a:endParaRPr lang="en-US" altLang="zh-CN" sz="1400" dirty="0"/>
+          </a:p>
+          <a:p>
+            <a:pPr marL="342900" indent="-342900">
+              <a:buAutoNum type="arabicPeriod"/>
+            </a:pPr>
+            <a:r>
+              <a:rPr lang="zh-CN" altLang="en-US" sz="1400" dirty="0"/>
+              <a:t>导弹进本气动布局形式</a:t>
+            </a:r>
+            <a:endParaRPr lang="en-US" altLang="zh-CN" sz="1400" dirty="0"/>
+          </a:p>
+          <a:p>
+            <a:pPr marL="342900" indent="-342900">
+              <a:buAutoNum type="arabicPeriod"/>
+            </a:pPr>
+            <a:r>
+              <a:rPr lang="zh-CN" altLang="en-US" sz="1400" dirty="0"/>
+              <a:t>导弹满载空载质量</a:t>
+            </a:r>
+            <a:endParaRPr lang="en-US" altLang="zh-CN" sz="1400" dirty="0"/>
+          </a:p>
+          <a:p>
+            <a:pPr marL="342900" indent="-342900">
+              <a:buAutoNum type="arabicPeriod"/>
+            </a:pPr>
+            <a:r>
+              <a:rPr lang="zh-CN" altLang="en-US" sz="1400" dirty="0"/>
+              <a:t>导弹需用法向过载变化规律</a:t>
+            </a:r>
+            <a:endParaRPr lang="en-US" altLang="zh-CN" sz="1400" dirty="0"/>
+          </a:p>
+          <a:p>
+            <a:pPr marL="342900" indent="-342900">
+              <a:buAutoNum type="arabicPeriod"/>
+            </a:pPr>
+            <a:r>
+              <a:rPr lang="zh-CN" altLang="en-US" sz="1400" dirty="0"/>
+              <a:t>弹体动力学随攻角变化保持近似线性的要求</a:t>
+            </a:r>
+            <a:endParaRPr lang="en-US" altLang="zh-CN" sz="1400" dirty="0"/>
+          </a:p>
+          <a:p>
+            <a:pPr marL="342900" indent="-342900">
+              <a:buAutoNum type="arabicPeriod"/>
+            </a:pPr>
+            <a:r>
+              <a:rPr lang="zh-CN" altLang="en-US" sz="1400" dirty="0"/>
+              <a:t>弹体固有频率</a:t>
+            </a:r>
+            <a:r>
+              <a:rPr lang="en-US" altLang="zh-CN" sz="1400" dirty="0"/>
+              <a:t>/</a:t>
+            </a:r>
+            <a:r>
+              <a:rPr lang="zh-CN" altLang="en-US" sz="1400" dirty="0"/>
+              <a:t>静稳定度要求</a:t>
+            </a:r>
+            <a:endParaRPr lang="en-US" altLang="zh-CN" sz="1400" dirty="0"/>
+          </a:p>
+          <a:p>
+            <a:pPr marL="342900" indent="-342900">
+              <a:buAutoNum type="arabicPeriod"/>
+            </a:pPr>
+            <a:r>
+              <a:rPr lang="zh-CN" altLang="en-US" sz="1400" dirty="0"/>
+              <a:t>弹体尺寸</a:t>
+            </a:r>
+            <a:endParaRPr lang="en-US" altLang="zh-CN" sz="1400" dirty="0"/>
+          </a:p>
+          <a:p>
+            <a:pPr marL="342900" indent="-342900">
+              <a:buAutoNum type="arabicPeriod"/>
+            </a:pPr>
+            <a:r>
+              <a:rPr lang="zh-CN" altLang="en-US" sz="1400" dirty="0"/>
+              <a:t>部位安排初步确定的舵机舱段的位置</a:t>
+            </a:r>
+            <a:endParaRPr lang="en-US" altLang="zh-CN" sz="1400" dirty="0"/>
+          </a:p>
+        </p:txBody>
+      </p:sp>
+      <p:sp>
+        <p:nvSpPr>
+          <p:cNvPr id="5" name="箭头: 右 4">
+            <a:extLst>
+              <a:ext uri="{FF2B5EF4-FFF2-40B4-BE49-F238E27FC236}">
+                <a16:creationId xmlns:a16="http://schemas.microsoft.com/office/drawing/2014/main" id="{6D570941-EE07-410D-B78D-C03A7050233C}"/>
+              </a:ext>
+            </a:extLst>
+          </p:cNvPr>
+          <p:cNvSpPr/>
+          <p:nvPr/>
+        </p:nvSpPr>
+        <p:spPr>
+          <a:xfrm>
+            <a:off x="4061791" y="2848918"/>
+            <a:ext cx="636104" cy="225287"/>
+          </a:xfrm>
+          <a:prstGeom prst="rightArrow">
+            <a:avLst/>
+          </a:prstGeom>
+        </p:spPr>
+        <p:style>
+          <a:lnRef idx="2">
+            <a:schemeClr val="accent5"/>
+          </a:lnRef>
+          <a:fillRef idx="1">
+            <a:schemeClr val="lt1"/>
+          </a:fillRef>
+          <a:effectRef idx="0">
+            <a:schemeClr val="accent5"/>
+          </a:effectRef>
+          <a:fontRef idx="minor">
+            <a:schemeClr val="dk1"/>
+          </a:fontRef>
+        </p:style>
+        <p:txBody>
+          <a:bodyPr rtlCol="0" anchor="ctr"/>
+          <a:lstStyle/>
+          <a:p>
+            <a:pPr algn="ctr"/>
+            <a:endParaRPr lang="zh-CN" altLang="en-US"/>
+          </a:p>
+        </p:txBody>
+      </p:sp>
+      <p:sp>
+        <p:nvSpPr>
+          <p:cNvPr id="6" name="矩形 5">
+            <a:extLst>
+              <a:ext uri="{FF2B5EF4-FFF2-40B4-BE49-F238E27FC236}">
+                <a16:creationId xmlns:a16="http://schemas.microsoft.com/office/drawing/2014/main" id="{DE4C6CAD-4236-4C3D-BC21-C910251071F4}"/>
+              </a:ext>
+            </a:extLst>
+          </p:cNvPr>
+          <p:cNvSpPr/>
+          <p:nvPr/>
+        </p:nvSpPr>
+        <p:spPr>
+          <a:xfrm>
+            <a:off x="4697895" y="2811491"/>
+            <a:ext cx="1457245" cy="307777"/>
+          </a:xfrm>
+          <a:prstGeom prst="rect">
+            <a:avLst/>
+          </a:prstGeom>
+        </p:spPr>
+        <p:style>
+          <a:lnRef idx="2">
+            <a:schemeClr val="accent5"/>
+          </a:lnRef>
+          <a:fillRef idx="1">
+            <a:schemeClr val="lt1"/>
+          </a:fillRef>
+          <a:effectRef idx="0">
+            <a:schemeClr val="accent5"/>
+          </a:effectRef>
+          <a:fontRef idx="minor">
+            <a:schemeClr val="dk1"/>
+          </a:fontRef>
+        </p:style>
+        <p:txBody>
+          <a:bodyPr rot="0" spcFirstLastPara="0" vertOverflow="overflow" horzOverflow="overflow" vert="horz" wrap="square" lIns="91440" tIns="45720" rIns="91440" bIns="45720" numCol="1" spcCol="0" rtlCol="0" fromWordArt="0" anchor="t" anchorCtr="0" forceAA="0" compatLnSpc="1">
+            <a:prstTxWarp prst="textNoShape">
+              <a:avLst/>
+            </a:prstTxWarp>
+            <a:spAutoFit/>
+          </a:bodyPr>
+          <a:lstStyle/>
+          <a:p>
+            <a:r>
+              <a:rPr lang="zh-CN" altLang="en-US" sz="1400" dirty="0"/>
+              <a:t>第一轮气动设计</a:t>
+            </a:r>
+          </a:p>
+        </p:txBody>
+      </p:sp>
+      <p:sp>
+        <p:nvSpPr>
+          <p:cNvPr id="7" name="箭头: 右 6">
+            <a:extLst>
+              <a:ext uri="{FF2B5EF4-FFF2-40B4-BE49-F238E27FC236}">
+                <a16:creationId xmlns:a16="http://schemas.microsoft.com/office/drawing/2014/main" id="{920C7DA2-D895-4CCC-A7F9-2C0DF5EE2E2A}"/>
+              </a:ext>
+            </a:extLst>
+          </p:cNvPr>
+          <p:cNvSpPr/>
+          <p:nvPr/>
+        </p:nvSpPr>
+        <p:spPr>
+          <a:xfrm>
+            <a:off x="6155140" y="2848918"/>
+            <a:ext cx="636104" cy="225287"/>
+          </a:xfrm>
+          <a:prstGeom prst="rightArrow">
+            <a:avLst/>
+          </a:prstGeom>
+        </p:spPr>
+        <p:style>
+          <a:lnRef idx="2">
+            <a:schemeClr val="accent5"/>
+          </a:lnRef>
+          <a:fillRef idx="1">
+            <a:schemeClr val="lt1"/>
+          </a:fillRef>
+          <a:effectRef idx="0">
+            <a:schemeClr val="accent5"/>
+          </a:effectRef>
+          <a:fontRef idx="minor">
+            <a:schemeClr val="dk1"/>
+          </a:fontRef>
+        </p:style>
+        <p:txBody>
+          <a:bodyPr rtlCol="0" anchor="ctr"/>
+          <a:lstStyle/>
+          <a:p>
+            <a:pPr algn="ctr"/>
+            <a:endParaRPr lang="zh-CN" altLang="en-US"/>
+          </a:p>
+        </p:txBody>
+      </p:sp>
+      <p:sp>
+        <p:nvSpPr>
+          <p:cNvPr id="8" name="矩形 7">
+            <a:extLst>
+              <a:ext uri="{FF2B5EF4-FFF2-40B4-BE49-F238E27FC236}">
+                <a16:creationId xmlns:a16="http://schemas.microsoft.com/office/drawing/2014/main" id="{D089FA92-7680-4DEC-95CF-CD5630D64FC6}"/>
+              </a:ext>
+            </a:extLst>
+          </p:cNvPr>
+          <p:cNvSpPr/>
+          <p:nvPr/>
+        </p:nvSpPr>
+        <p:spPr>
+          <a:xfrm>
+            <a:off x="6791244" y="2160242"/>
+            <a:ext cx="3055616" cy="1600438"/>
+          </a:xfrm>
+          <a:prstGeom prst="rect">
+            <a:avLst/>
+          </a:prstGeom>
+        </p:spPr>
+        <p:style>
+          <a:lnRef idx="2">
+            <a:schemeClr val="accent5"/>
+          </a:lnRef>
+          <a:fillRef idx="1">
+            <a:schemeClr val="lt1"/>
+          </a:fillRef>
+          <a:effectRef idx="0">
+            <a:schemeClr val="accent5"/>
+          </a:effectRef>
+          <a:fontRef idx="minor">
+            <a:schemeClr val="dk1"/>
+          </a:fontRef>
+        </p:style>
+        <p:txBody>
+          <a:bodyPr rot="0" spcFirstLastPara="0" vertOverflow="overflow" horzOverflow="overflow" vert="horz" wrap="square" lIns="91440" tIns="45720" rIns="91440" bIns="45720" numCol="1" spcCol="0" rtlCol="0" fromWordArt="0" anchor="t" anchorCtr="0" forceAA="0" compatLnSpc="1">
+            <a:prstTxWarp prst="textNoShape">
+              <a:avLst/>
+            </a:prstTxWarp>
+            <a:spAutoFit/>
+          </a:bodyPr>
+          <a:lstStyle/>
+          <a:p>
+            <a:pPr marL="342900" indent="-342900">
+              <a:buAutoNum type="arabicPeriod"/>
+            </a:pPr>
+            <a:r>
+              <a:rPr lang="zh-CN" altLang="en-US" sz="1400" dirty="0"/>
+              <a:t>导弹头部形状</a:t>
+            </a:r>
+            <a:endParaRPr lang="en-US" altLang="zh-CN" sz="1400" dirty="0"/>
+          </a:p>
+          <a:p>
+            <a:pPr marL="342900" indent="-342900">
+              <a:buAutoNum type="arabicPeriod"/>
+            </a:pPr>
+            <a:r>
+              <a:rPr lang="zh-CN" altLang="en-US" sz="1400" dirty="0"/>
+              <a:t>初步确定的升力面位置、形状和尺寸</a:t>
+            </a:r>
+            <a:endParaRPr lang="en-US" altLang="zh-CN" sz="1400" dirty="0"/>
+          </a:p>
+          <a:p>
+            <a:pPr marL="342900" indent="-342900">
+              <a:buAutoNum type="arabicPeriod"/>
+            </a:pPr>
+            <a:r>
+              <a:rPr lang="zh-CN" altLang="en-US" sz="1400" dirty="0"/>
+              <a:t>升力系数、侧向力系数</a:t>
+            </a:r>
+            <a:endParaRPr lang="en-US" altLang="zh-CN" sz="1400" dirty="0"/>
+          </a:p>
+          <a:p>
+            <a:pPr marL="342900" indent="-342900">
+              <a:buAutoNum type="arabicPeriod"/>
+            </a:pPr>
+            <a:r>
+              <a:rPr lang="zh-CN" altLang="en-US" sz="1400" dirty="0"/>
+              <a:t>阻力系数</a:t>
+            </a:r>
+            <a:endParaRPr lang="en-US" altLang="zh-CN" sz="1400" dirty="0"/>
+          </a:p>
+          <a:p>
+            <a:pPr marL="342900" indent="-342900">
+              <a:buAutoNum type="arabicPeriod"/>
+            </a:pPr>
+            <a:r>
+              <a:rPr lang="zh-CN" altLang="en-US" sz="1400" dirty="0"/>
+              <a:t>弹体升力特性基本线性的攻角范围</a:t>
+            </a:r>
+            <a:endParaRPr lang="en-US" altLang="zh-CN" sz="1400" dirty="0"/>
+          </a:p>
+        </p:txBody>
+      </p:sp>
+    </p:spTree>
+    <p:extLst>
+      <p:ext uri="{BB962C8B-B14F-4D97-AF65-F5344CB8AC3E}">
+        <p14:creationId xmlns:p14="http://schemas.microsoft.com/office/powerpoint/2010/main" val="2190733935"/>
+      </p:ext>
+    </p:extLst>
+  </p:cSld>
+  <p:clrMapOvr>
+    <a:masterClrMapping/>
+  </p:clrMapOvr>
+</p:sld>
+</file>
+
+<file path=ppt/slides/slide8.xml><?xml version="1.0" encoding="utf-8"?>
+<p:sld xmlns:a="http://schemas.openxmlformats.org/drawingml/2006/main" xmlns:r="http://schemas.openxmlformats.org/officeDocument/2006/relationships" xmlns:p="http://schemas.openxmlformats.org/presentationml/2006/main">
+  <p:cSld>
+    <p:spTree>
+      <p:nvGrpSpPr>
+        <p:cNvPr id="1" name=""/>
+        <p:cNvGrpSpPr/>
+        <p:nvPr/>
+      </p:nvGrpSpPr>
+      <p:grpSpPr>
+        <a:xfrm>
+          <a:off x="0" y="0"/>
+          <a:ext cx="0" cy="0"/>
+          <a:chOff x="0" y="0"/>
+          <a:chExt cx="0" cy="0"/>
+        </a:xfrm>
+      </p:grpSpPr>
+      <p:sp>
+        <p:nvSpPr>
+          <p:cNvPr id="4" name="矩形 3">
+            <a:extLst>
+              <a:ext uri="{FF2B5EF4-FFF2-40B4-BE49-F238E27FC236}">
+                <a16:creationId xmlns:a16="http://schemas.microsoft.com/office/drawing/2014/main" id="{1234BDE8-FFA0-4717-9FD3-8944BA25F64C}"/>
+              </a:ext>
+            </a:extLst>
+          </p:cNvPr>
+          <p:cNvSpPr/>
+          <p:nvPr/>
+        </p:nvSpPr>
+        <p:spPr>
+          <a:xfrm>
+            <a:off x="1730661" y="1298467"/>
+            <a:ext cx="2328921" cy="3323987"/>
+          </a:xfrm>
+          <a:prstGeom prst="rect">
+            <a:avLst/>
+          </a:prstGeom>
+        </p:spPr>
+        <p:style>
+          <a:lnRef idx="2">
+            <a:schemeClr val="accent5"/>
+          </a:lnRef>
+          <a:fillRef idx="1">
+            <a:schemeClr val="lt1"/>
+          </a:fillRef>
+          <a:effectRef idx="0">
+            <a:schemeClr val="accent5"/>
+          </a:effectRef>
+          <a:fontRef idx="minor">
+            <a:schemeClr val="dk1"/>
+          </a:fontRef>
+        </p:style>
+        <p:txBody>
+          <a:bodyPr rtlCol="0" anchor="t" anchorCtr="0">
+            <a:spAutoFit/>
+          </a:bodyPr>
+          <a:lstStyle/>
+          <a:p>
+            <a:pPr marL="342900" indent="-342900">
+              <a:buAutoNum type="arabicPeriod"/>
+            </a:pPr>
+            <a:r>
+              <a:rPr lang="zh-CN" altLang="en-US" sz="1400" dirty="0"/>
+              <a:t>弹身部位安排</a:t>
+            </a:r>
+            <a:endParaRPr lang="en-US" altLang="zh-CN" sz="1400" dirty="0"/>
+          </a:p>
+          <a:p>
+            <a:pPr marL="342900" indent="-342900">
+              <a:buAutoNum type="arabicPeriod"/>
+            </a:pPr>
+            <a:r>
+              <a:rPr lang="zh-CN" altLang="en-US" sz="1400" dirty="0"/>
+              <a:t>确定舵机舱段位置</a:t>
+            </a:r>
+            <a:endParaRPr lang="en-US" altLang="zh-CN" sz="1400" dirty="0"/>
+          </a:p>
+          <a:p>
+            <a:pPr marL="342900" indent="-342900">
+              <a:buAutoNum type="arabicPeriod"/>
+            </a:pPr>
+            <a:r>
+              <a:rPr lang="zh-CN" altLang="en-US" sz="1400" dirty="0"/>
+              <a:t>关键结构连接件设计方案</a:t>
+            </a:r>
+            <a:endParaRPr lang="en-US" altLang="zh-CN" sz="1400" dirty="0"/>
+          </a:p>
+          <a:p>
+            <a:pPr marL="342900" indent="-342900">
+              <a:buAutoNum type="arabicPeriod"/>
+            </a:pPr>
+            <a:r>
+              <a:rPr lang="zh-CN" altLang="en-US" sz="1400" dirty="0"/>
+              <a:t>弹身尺寸</a:t>
+            </a:r>
+            <a:endParaRPr lang="en-US" altLang="zh-CN" sz="1400" dirty="0"/>
+          </a:p>
+          <a:p>
+            <a:pPr marL="342900" indent="-342900">
+              <a:buAutoNum type="arabicPeriod"/>
+            </a:pPr>
+            <a:r>
+              <a:rPr lang="zh-CN" altLang="en-US" sz="1400" dirty="0"/>
+              <a:t>弹身满载质量，空载质量</a:t>
+            </a:r>
+            <a:endParaRPr lang="en-US" altLang="zh-CN" sz="1400" dirty="0"/>
+          </a:p>
+          <a:p>
+            <a:pPr marL="342900" indent="-342900">
+              <a:buAutoNum type="arabicPeriod"/>
+            </a:pPr>
+            <a:r>
+              <a:rPr lang="zh-CN" altLang="en-US" sz="1400" dirty="0"/>
+              <a:t>弹身满载质心，空载质心</a:t>
+            </a:r>
+            <a:endParaRPr lang="en-US" altLang="zh-CN" sz="1400" dirty="0"/>
+          </a:p>
+          <a:p>
+            <a:pPr marL="342900" indent="-342900">
+              <a:buAutoNum type="arabicPeriod"/>
+            </a:pPr>
+            <a:r>
+              <a:rPr lang="en-US" altLang="zh-CN" sz="1400" dirty="0"/>
+              <a:t>~</a:t>
+            </a:r>
+            <a:r>
+              <a:rPr lang="zh-CN" altLang="en-US" sz="1400" dirty="0"/>
+              <a:t>转动惯量</a:t>
+            </a:r>
+            <a:endParaRPr lang="en-US" altLang="zh-CN" sz="1400" dirty="0"/>
+          </a:p>
+          <a:p>
+            <a:pPr marL="342900" indent="-342900">
+              <a:buAutoNum type="arabicPeriod"/>
+            </a:pPr>
+            <a:r>
+              <a:rPr lang="zh-CN" altLang="en-US" sz="1400" dirty="0"/>
+              <a:t>弹头部尺寸、形状</a:t>
+            </a:r>
+            <a:endParaRPr lang="en-US" altLang="zh-CN" sz="1400" dirty="0"/>
+          </a:p>
+          <a:p>
+            <a:pPr marL="342900" indent="-342900">
+              <a:buAutoNum type="arabicPeriod"/>
+            </a:pPr>
+            <a:r>
+              <a:rPr lang="zh-CN" altLang="en-US" sz="1400" dirty="0"/>
+              <a:t>主升力面位置、形状、尺寸</a:t>
+            </a:r>
+            <a:endParaRPr lang="en-US" altLang="zh-CN" sz="1400" dirty="0"/>
+          </a:p>
+          <a:p>
+            <a:pPr marL="342900" indent="-342900">
+              <a:buAutoNum type="arabicPeriod"/>
+            </a:pPr>
+            <a:r>
+              <a:rPr lang="zh-CN" altLang="en-US" sz="1400" dirty="0"/>
+              <a:t>初步确定的舵面位置、形状和尺寸</a:t>
+            </a:r>
+            <a:endParaRPr lang="en-US" altLang="zh-CN" sz="1400" dirty="0"/>
+          </a:p>
+        </p:txBody>
+      </p:sp>
+      <p:sp>
+        <p:nvSpPr>
+          <p:cNvPr id="5" name="箭头: 右 4">
+            <a:extLst>
+              <a:ext uri="{FF2B5EF4-FFF2-40B4-BE49-F238E27FC236}">
+                <a16:creationId xmlns:a16="http://schemas.microsoft.com/office/drawing/2014/main" id="{6D570941-EE07-410D-B78D-C03A7050233C}"/>
+              </a:ext>
+            </a:extLst>
+          </p:cNvPr>
+          <p:cNvSpPr/>
+          <p:nvPr/>
+        </p:nvSpPr>
+        <p:spPr>
+          <a:xfrm>
+            <a:off x="4061791" y="2848918"/>
+            <a:ext cx="636104" cy="225287"/>
+          </a:xfrm>
+          <a:prstGeom prst="rightArrow">
+            <a:avLst/>
+          </a:prstGeom>
+        </p:spPr>
+        <p:style>
+          <a:lnRef idx="2">
+            <a:schemeClr val="accent5"/>
+          </a:lnRef>
+          <a:fillRef idx="1">
+            <a:schemeClr val="lt1"/>
+          </a:fillRef>
+          <a:effectRef idx="0">
+            <a:schemeClr val="accent5"/>
+          </a:effectRef>
+          <a:fontRef idx="minor">
+            <a:schemeClr val="dk1"/>
+          </a:fontRef>
+        </p:style>
+        <p:txBody>
+          <a:bodyPr rtlCol="0" anchor="ctr"/>
+          <a:lstStyle/>
+          <a:p>
+            <a:pPr algn="ctr"/>
+            <a:endParaRPr lang="zh-CN" altLang="en-US"/>
+          </a:p>
+        </p:txBody>
+      </p:sp>
+      <p:sp>
+        <p:nvSpPr>
+          <p:cNvPr id="6" name="矩形 5">
+            <a:extLst>
+              <a:ext uri="{FF2B5EF4-FFF2-40B4-BE49-F238E27FC236}">
+                <a16:creationId xmlns:a16="http://schemas.microsoft.com/office/drawing/2014/main" id="{DE4C6CAD-4236-4C3D-BC21-C910251071F4}"/>
+              </a:ext>
+            </a:extLst>
+          </p:cNvPr>
+          <p:cNvSpPr/>
+          <p:nvPr/>
+        </p:nvSpPr>
+        <p:spPr>
+          <a:xfrm>
+            <a:off x="4697895" y="2811491"/>
+            <a:ext cx="1457245" cy="307777"/>
+          </a:xfrm>
+          <a:prstGeom prst="rect">
+            <a:avLst/>
+          </a:prstGeom>
+        </p:spPr>
+        <p:style>
+          <a:lnRef idx="2">
+            <a:schemeClr val="accent5"/>
+          </a:lnRef>
+          <a:fillRef idx="1">
+            <a:schemeClr val="lt1"/>
+          </a:fillRef>
+          <a:effectRef idx="0">
+            <a:schemeClr val="accent5"/>
+          </a:effectRef>
+          <a:fontRef idx="minor">
+            <a:schemeClr val="dk1"/>
+          </a:fontRef>
+        </p:style>
+        <p:txBody>
+          <a:bodyPr rot="0" spcFirstLastPara="0" vertOverflow="overflow" horzOverflow="overflow" vert="horz" wrap="square" lIns="91440" tIns="45720" rIns="91440" bIns="45720" numCol="1" spcCol="0" rtlCol="0" fromWordArt="0" anchor="t" anchorCtr="0" forceAA="0" compatLnSpc="1">
+            <a:prstTxWarp prst="textNoShape">
+              <a:avLst/>
+            </a:prstTxWarp>
+            <a:spAutoFit/>
+          </a:bodyPr>
+          <a:lstStyle/>
+          <a:p>
+            <a:r>
+              <a:rPr lang="zh-CN" altLang="en-US" sz="1400" dirty="0"/>
+              <a:t>第二轮结构设计</a:t>
+            </a:r>
+          </a:p>
+        </p:txBody>
+      </p:sp>
+      <p:sp>
+        <p:nvSpPr>
+          <p:cNvPr id="7" name="箭头: 右 6">
+            <a:extLst>
+              <a:ext uri="{FF2B5EF4-FFF2-40B4-BE49-F238E27FC236}">
+                <a16:creationId xmlns:a16="http://schemas.microsoft.com/office/drawing/2014/main" id="{920C7DA2-D895-4CCC-A7F9-2C0DF5EE2E2A}"/>
+              </a:ext>
+            </a:extLst>
+          </p:cNvPr>
+          <p:cNvSpPr/>
+          <p:nvPr/>
+        </p:nvSpPr>
+        <p:spPr>
+          <a:xfrm>
+            <a:off x="6155140" y="2848918"/>
+            <a:ext cx="636104" cy="225287"/>
+          </a:xfrm>
+          <a:prstGeom prst="rightArrow">
+            <a:avLst/>
+          </a:prstGeom>
+        </p:spPr>
+        <p:style>
+          <a:lnRef idx="2">
+            <a:schemeClr val="accent5"/>
+          </a:lnRef>
+          <a:fillRef idx="1">
+            <a:schemeClr val="lt1"/>
+          </a:fillRef>
+          <a:effectRef idx="0">
+            <a:schemeClr val="accent5"/>
+          </a:effectRef>
+          <a:fontRef idx="minor">
+            <a:schemeClr val="dk1"/>
+          </a:fontRef>
+        </p:style>
+        <p:txBody>
+          <a:bodyPr rtlCol="0" anchor="ctr"/>
+          <a:lstStyle/>
+          <a:p>
+            <a:pPr algn="ctr"/>
+            <a:endParaRPr lang="zh-CN" altLang="en-US"/>
+          </a:p>
+        </p:txBody>
+      </p:sp>
+      <p:sp>
+        <p:nvSpPr>
+          <p:cNvPr id="8" name="矩形 7">
+            <a:extLst>
+              <a:ext uri="{FF2B5EF4-FFF2-40B4-BE49-F238E27FC236}">
+                <a16:creationId xmlns:a16="http://schemas.microsoft.com/office/drawing/2014/main" id="{D089FA92-7680-4DEC-95CF-CD5630D64FC6}"/>
+              </a:ext>
+            </a:extLst>
+          </p:cNvPr>
+          <p:cNvSpPr/>
+          <p:nvPr/>
+        </p:nvSpPr>
+        <p:spPr>
+          <a:xfrm>
+            <a:off x="6791244" y="2267962"/>
+            <a:ext cx="3055616" cy="1384995"/>
+          </a:xfrm>
+          <a:prstGeom prst="rect">
+            <a:avLst/>
+          </a:prstGeom>
+        </p:spPr>
+        <p:style>
+          <a:lnRef idx="2">
+            <a:schemeClr val="accent5"/>
+          </a:lnRef>
+          <a:fillRef idx="1">
+            <a:schemeClr val="lt1"/>
+          </a:fillRef>
+          <a:effectRef idx="0">
+            <a:schemeClr val="accent5"/>
+          </a:effectRef>
+          <a:fontRef idx="minor">
+            <a:schemeClr val="dk1"/>
+          </a:fontRef>
+        </p:style>
+        <p:txBody>
+          <a:bodyPr rot="0" spcFirstLastPara="0" vertOverflow="overflow" horzOverflow="overflow" vert="horz" wrap="square" lIns="91440" tIns="45720" rIns="91440" bIns="45720" numCol="1" spcCol="0" rtlCol="0" fromWordArt="0" anchor="t" anchorCtr="0" forceAA="0" compatLnSpc="1">
+            <a:prstTxWarp prst="textNoShape">
+              <a:avLst/>
+            </a:prstTxWarp>
+            <a:spAutoFit/>
+          </a:bodyPr>
+          <a:lstStyle/>
+          <a:p>
+            <a:pPr marL="342900" indent="-342900">
+              <a:buAutoNum type="arabicPeriod"/>
+            </a:pPr>
+            <a:r>
+              <a:rPr lang="zh-CN" altLang="en-US" sz="1400" dirty="0"/>
+              <a:t>导弹部位安排</a:t>
+            </a:r>
+            <a:endParaRPr lang="en-US" altLang="zh-CN" sz="1400" dirty="0"/>
+          </a:p>
+          <a:p>
+            <a:pPr marL="342900" indent="-342900">
+              <a:buAutoNum type="arabicPeriod"/>
+            </a:pPr>
+            <a:r>
+              <a:rPr lang="zh-CN" altLang="en-US" sz="1400" dirty="0"/>
+              <a:t>导弹详细外形尺寸</a:t>
+            </a:r>
+            <a:endParaRPr lang="en-US" altLang="zh-CN" sz="1400" dirty="0"/>
+          </a:p>
+          <a:p>
+            <a:pPr marL="342900" indent="-342900">
+              <a:buAutoNum type="arabicPeriod"/>
+            </a:pPr>
+            <a:r>
+              <a:rPr lang="zh-CN" altLang="en-US" sz="1400" dirty="0"/>
+              <a:t>导弹满载空载质量</a:t>
+            </a:r>
+            <a:endParaRPr lang="en-US" altLang="zh-CN" sz="1400" dirty="0"/>
+          </a:p>
+          <a:p>
+            <a:pPr marL="342900" indent="-342900">
+              <a:buAutoNum type="arabicPeriod"/>
+            </a:pPr>
+            <a:r>
+              <a:rPr lang="en-US" altLang="zh-CN" sz="1400" dirty="0"/>
+              <a:t>~</a:t>
+            </a:r>
+            <a:r>
+              <a:rPr lang="zh-CN" altLang="en-US" sz="1400" dirty="0"/>
+              <a:t>质心</a:t>
+            </a:r>
+            <a:endParaRPr lang="en-US" altLang="zh-CN" sz="1400" dirty="0"/>
+          </a:p>
+          <a:p>
+            <a:pPr marL="342900" indent="-342900">
+              <a:buAutoNum type="arabicPeriod"/>
+            </a:pPr>
+            <a:r>
+              <a:rPr lang="en-US" altLang="zh-CN" sz="1400" dirty="0"/>
+              <a:t>~</a:t>
+            </a:r>
+            <a:r>
+              <a:rPr lang="zh-CN" altLang="en-US" sz="1400" dirty="0"/>
+              <a:t>赤道转动惯量</a:t>
+            </a:r>
+            <a:endParaRPr lang="en-US" altLang="zh-CN" sz="1400" dirty="0"/>
+          </a:p>
+          <a:p>
+            <a:pPr marL="342900" indent="-342900">
+              <a:buAutoNum type="arabicPeriod"/>
+            </a:pPr>
+            <a:r>
+              <a:rPr lang="en-US" altLang="zh-CN" sz="1400" dirty="0"/>
+              <a:t>~</a:t>
+            </a:r>
+            <a:r>
+              <a:rPr lang="zh-CN" altLang="en-US" sz="1400" dirty="0"/>
+              <a:t>极转动惯量</a:t>
+            </a:r>
+            <a:endParaRPr lang="en-US" altLang="zh-CN" sz="1400" dirty="0"/>
+          </a:p>
+        </p:txBody>
+      </p:sp>
+    </p:spTree>
+    <p:extLst>
+      <p:ext uri="{BB962C8B-B14F-4D97-AF65-F5344CB8AC3E}">
+        <p14:creationId xmlns:p14="http://schemas.microsoft.com/office/powerpoint/2010/main" val="1330435133"/>
+      </p:ext>
+    </p:extLst>
+  </p:cSld>
+  <p:clrMapOvr>
+    <a:masterClrMapping/>
+  </p:clrMapOvr>
+</p:sld>
+</file>
+
+<file path=ppt/slides/slide9.xml><?xml version="1.0" encoding="utf-8"?>
+<p:sld xmlns:a="http://schemas.openxmlformats.org/drawingml/2006/main" xmlns:r="http://schemas.openxmlformats.org/officeDocument/2006/relationships" xmlns:p="http://schemas.openxmlformats.org/presentationml/2006/main">
+  <p:cSld>
+    <p:spTree>
+      <p:nvGrpSpPr>
+        <p:cNvPr id="1" name=""/>
+        <p:cNvGrpSpPr/>
+        <p:nvPr/>
+      </p:nvGrpSpPr>
+      <p:grpSpPr>
+        <a:xfrm>
+          <a:off x="0" y="0"/>
+          <a:ext cx="0" cy="0"/>
+          <a:chOff x="0" y="0"/>
+          <a:chExt cx="0" cy="0"/>
+        </a:xfrm>
+      </p:grpSpPr>
+      <p:sp>
+        <p:nvSpPr>
+          <p:cNvPr id="5" name="箭头: 右 4">
+            <a:extLst>
+              <a:ext uri="{FF2B5EF4-FFF2-40B4-BE49-F238E27FC236}">
+                <a16:creationId xmlns:a16="http://schemas.microsoft.com/office/drawing/2014/main" id="{6D570941-EE07-410D-B78D-C03A7050233C}"/>
+              </a:ext>
+            </a:extLst>
+          </p:cNvPr>
+          <p:cNvSpPr/>
+          <p:nvPr/>
+        </p:nvSpPr>
+        <p:spPr>
+          <a:xfrm>
+            <a:off x="4061791" y="2848918"/>
+            <a:ext cx="636104" cy="225287"/>
+          </a:xfrm>
+          <a:prstGeom prst="rightArrow">
+            <a:avLst/>
+          </a:prstGeom>
+        </p:spPr>
+        <p:style>
+          <a:lnRef idx="2">
+            <a:schemeClr val="accent5"/>
+          </a:lnRef>
+          <a:fillRef idx="1">
+            <a:schemeClr val="lt1"/>
+          </a:fillRef>
+          <a:effectRef idx="0">
+            <a:schemeClr val="accent5"/>
+          </a:effectRef>
+          <a:fontRef idx="minor">
+            <a:schemeClr val="dk1"/>
+          </a:fontRef>
+        </p:style>
+        <p:txBody>
+          <a:bodyPr rtlCol="0" anchor="ctr"/>
+          <a:lstStyle/>
+          <a:p>
+            <a:pPr algn="ctr"/>
+            <a:endParaRPr lang="zh-CN" altLang="en-US"/>
+          </a:p>
+        </p:txBody>
+      </p:sp>
+      <p:sp>
+        <p:nvSpPr>
+          <p:cNvPr id="6" name="矩形 5">
+            <a:extLst>
+              <a:ext uri="{FF2B5EF4-FFF2-40B4-BE49-F238E27FC236}">
+                <a16:creationId xmlns:a16="http://schemas.microsoft.com/office/drawing/2014/main" id="{DE4C6CAD-4236-4C3D-BC21-C910251071F4}"/>
+              </a:ext>
+            </a:extLst>
+          </p:cNvPr>
+          <p:cNvSpPr/>
+          <p:nvPr/>
+        </p:nvSpPr>
+        <p:spPr>
+          <a:xfrm>
+            <a:off x="4697895" y="2811491"/>
+            <a:ext cx="1457245" cy="307777"/>
+          </a:xfrm>
+          <a:prstGeom prst="rect">
+            <a:avLst/>
+          </a:prstGeom>
+        </p:spPr>
+        <p:style>
+          <a:lnRef idx="2">
+            <a:schemeClr val="accent5"/>
+          </a:lnRef>
+          <a:fillRef idx="1">
+            <a:schemeClr val="lt1"/>
+          </a:fillRef>
+          <a:effectRef idx="0">
+            <a:schemeClr val="accent5"/>
+          </a:effectRef>
+          <a:fontRef idx="minor">
+            <a:schemeClr val="dk1"/>
+          </a:fontRef>
+        </p:style>
+        <p:txBody>
+          <a:bodyPr rot="0" spcFirstLastPara="0" vertOverflow="overflow" horzOverflow="overflow" vert="horz" wrap="square" lIns="91440" tIns="45720" rIns="91440" bIns="45720" numCol="1" spcCol="0" rtlCol="0" fromWordArt="0" anchor="t" anchorCtr="0" forceAA="0" compatLnSpc="1">
+            <a:prstTxWarp prst="textNoShape">
+              <a:avLst/>
+            </a:prstTxWarp>
+            <a:spAutoFit/>
+          </a:bodyPr>
+          <a:lstStyle/>
+          <a:p>
+            <a:r>
+              <a:rPr lang="zh-CN" altLang="en-US" sz="1400" dirty="0"/>
+              <a:t>第二轮气动设计</a:t>
+            </a:r>
+          </a:p>
+        </p:txBody>
+      </p:sp>
+      <p:sp>
+        <p:nvSpPr>
+          <p:cNvPr id="7" name="箭头: 右 6">
+            <a:extLst>
+              <a:ext uri="{FF2B5EF4-FFF2-40B4-BE49-F238E27FC236}">
+                <a16:creationId xmlns:a16="http://schemas.microsoft.com/office/drawing/2014/main" id="{920C7DA2-D895-4CCC-A7F9-2C0DF5EE2E2A}"/>
+              </a:ext>
+            </a:extLst>
+          </p:cNvPr>
+          <p:cNvSpPr/>
+          <p:nvPr/>
+        </p:nvSpPr>
+        <p:spPr>
+          <a:xfrm>
+            <a:off x="6155140" y="2848918"/>
+            <a:ext cx="636104" cy="225287"/>
+          </a:xfrm>
+          <a:prstGeom prst="rightArrow">
+            <a:avLst/>
+          </a:prstGeom>
+        </p:spPr>
+        <p:style>
+          <a:lnRef idx="2">
+            <a:schemeClr val="accent5"/>
+          </a:lnRef>
+          <a:fillRef idx="1">
+            <a:schemeClr val="lt1"/>
+          </a:fillRef>
+          <a:effectRef idx="0">
+            <a:schemeClr val="accent5"/>
+          </a:effectRef>
+          <a:fontRef idx="minor">
+            <a:schemeClr val="dk1"/>
+          </a:fontRef>
+        </p:style>
+        <p:txBody>
+          <a:bodyPr rtlCol="0" anchor="ctr"/>
+          <a:lstStyle/>
+          <a:p>
+            <a:pPr algn="ctr"/>
+            <a:endParaRPr lang="zh-CN" altLang="en-US"/>
+          </a:p>
+        </p:txBody>
+      </p:sp>
+      <p:sp>
+        <p:nvSpPr>
+          <p:cNvPr id="8" name="矩形 7">
+            <a:extLst>
+              <a:ext uri="{FF2B5EF4-FFF2-40B4-BE49-F238E27FC236}">
+                <a16:creationId xmlns:a16="http://schemas.microsoft.com/office/drawing/2014/main" id="{D089FA92-7680-4DEC-95CF-CD5630D64FC6}"/>
+              </a:ext>
+            </a:extLst>
+          </p:cNvPr>
+          <p:cNvSpPr/>
+          <p:nvPr/>
+        </p:nvSpPr>
+        <p:spPr>
+          <a:xfrm>
+            <a:off x="6791244" y="1191846"/>
+            <a:ext cx="3055616" cy="3539430"/>
+          </a:xfrm>
+          <a:prstGeom prst="rect">
+            <a:avLst/>
+          </a:prstGeom>
+        </p:spPr>
+        <p:style>
+          <a:lnRef idx="2">
+            <a:schemeClr val="accent5"/>
+          </a:lnRef>
+          <a:fillRef idx="1">
+            <a:schemeClr val="lt1"/>
+          </a:fillRef>
+          <a:effectRef idx="0">
+            <a:schemeClr val="accent5"/>
+          </a:effectRef>
+          <a:fontRef idx="minor">
+            <a:schemeClr val="dk1"/>
+          </a:fontRef>
+        </p:style>
+        <p:txBody>
+          <a:bodyPr rot="0" spcFirstLastPara="0" vertOverflow="overflow" horzOverflow="overflow" vert="horz" wrap="square" lIns="91440" tIns="45720" rIns="91440" bIns="45720" numCol="1" spcCol="0" rtlCol="0" fromWordArt="0" anchor="t" anchorCtr="0" forceAA="0" compatLnSpc="1">
+            <a:prstTxWarp prst="textNoShape">
+              <a:avLst/>
+            </a:prstTxWarp>
+            <a:spAutoFit/>
+          </a:bodyPr>
+          <a:lstStyle/>
+          <a:p>
+            <a:pPr marL="342900" indent="-342900">
+              <a:buAutoNum type="arabicPeriod"/>
+            </a:pPr>
+            <a:r>
+              <a:rPr lang="zh-CN" altLang="en-US" sz="1400" dirty="0"/>
+              <a:t>确定舵机舱段位置</a:t>
+            </a:r>
+            <a:endParaRPr lang="en-US" altLang="zh-CN" sz="1400" dirty="0"/>
+          </a:p>
+          <a:p>
+            <a:pPr marL="342900" indent="-342900">
+              <a:buAutoNum type="arabicPeriod"/>
+            </a:pPr>
+            <a:r>
+              <a:rPr lang="zh-CN" altLang="en-US" sz="1400" dirty="0"/>
+              <a:t>确定主升力面位置、形状和尺寸确定</a:t>
+            </a:r>
+            <a:endParaRPr lang="en-US" altLang="zh-CN" sz="1400" dirty="0"/>
+          </a:p>
+          <a:p>
+            <a:pPr marL="342900" indent="-342900">
+              <a:buAutoNum type="arabicPeriod"/>
+            </a:pPr>
+            <a:r>
+              <a:rPr lang="zh-CN" altLang="en-US" sz="1400" dirty="0"/>
+              <a:t>舵面位置、形状和尺寸</a:t>
+            </a:r>
+            <a:endParaRPr lang="en-US" altLang="zh-CN" sz="1400" dirty="0"/>
+          </a:p>
+          <a:p>
+            <a:pPr marL="342900" indent="-342900">
+              <a:buAutoNum type="arabicPeriod"/>
+            </a:pPr>
+            <a:r>
+              <a:rPr lang="zh-CN" altLang="en-US" sz="1400" dirty="0"/>
+              <a:t>给出弹体环节保持近似线性特性的攻角 范围</a:t>
+            </a:r>
+            <a:endParaRPr lang="en-US" altLang="zh-CN" sz="1400" dirty="0"/>
+          </a:p>
+          <a:p>
+            <a:pPr marL="342900" indent="-342900">
+              <a:buAutoNum type="arabicPeriod"/>
+            </a:pPr>
+            <a:r>
+              <a:rPr lang="zh-CN" altLang="en-US" sz="1400" dirty="0"/>
+              <a:t>升力系数、侧向力系数</a:t>
+            </a:r>
+            <a:endParaRPr lang="en-US" altLang="zh-CN" sz="1400" dirty="0"/>
+          </a:p>
+          <a:p>
+            <a:pPr marL="342900" indent="-342900">
+              <a:buAutoNum type="arabicPeriod"/>
+            </a:pPr>
+            <a:r>
+              <a:rPr lang="zh-CN" altLang="en-US" sz="1400" dirty="0"/>
+              <a:t>駔力系数</a:t>
+            </a:r>
+            <a:endParaRPr lang="en-US" altLang="zh-CN" sz="1400" dirty="0"/>
+          </a:p>
+          <a:p>
+            <a:pPr marL="342900" indent="-342900">
+              <a:buAutoNum type="arabicPeriod"/>
+            </a:pPr>
+            <a:r>
+              <a:rPr lang="zh-CN" altLang="en-US" sz="1400" dirty="0"/>
+              <a:t>俯仰力矩系数、偏航力矩系数</a:t>
+            </a:r>
+            <a:endParaRPr lang="en-US" altLang="zh-CN" sz="1400" dirty="0"/>
+          </a:p>
+          <a:p>
+            <a:pPr marL="342900" indent="-342900">
+              <a:buAutoNum type="arabicPeriod"/>
+            </a:pPr>
+            <a:r>
+              <a:rPr lang="zh-CN" altLang="en-US" sz="1400" dirty="0"/>
+              <a:t>俯仰阻尼力矩系数导数、偏航阻尼力矩系数导数</a:t>
+            </a:r>
+            <a:endParaRPr lang="en-US" altLang="zh-CN" sz="1400" dirty="0"/>
+          </a:p>
+          <a:p>
+            <a:pPr marL="342900" indent="-342900">
+              <a:buAutoNum type="arabicPeriod"/>
+            </a:pPr>
+            <a:r>
+              <a:rPr lang="zh-CN" altLang="en-US" sz="1400" dirty="0"/>
+              <a:t>控制力系数、控制力矩系数</a:t>
+            </a:r>
+            <a:endParaRPr lang="en-US" altLang="zh-CN" sz="1400" dirty="0"/>
+          </a:p>
+          <a:p>
+            <a:pPr marL="342900" indent="-342900">
+              <a:buAutoNum type="arabicPeriod"/>
+            </a:pPr>
+            <a:r>
+              <a:rPr lang="zh-CN" altLang="en-US" sz="1400" dirty="0"/>
+              <a:t>滚转力矩系数</a:t>
+            </a:r>
+            <a:endParaRPr lang="en-US" altLang="zh-CN" sz="1400" dirty="0"/>
+          </a:p>
+          <a:p>
+            <a:pPr marL="342900" indent="-342900">
+              <a:buAutoNum type="arabicPeriod"/>
+            </a:pPr>
+            <a:r>
+              <a:rPr lang="zh-CN" altLang="en-US" sz="1400" dirty="0"/>
+              <a:t>滚转阻尼力矩系数导数</a:t>
+            </a:r>
+            <a:endParaRPr lang="en-US" altLang="zh-CN" sz="1400" dirty="0"/>
+          </a:p>
+          <a:p>
+            <a:pPr marL="342900" indent="-342900">
+              <a:buAutoNum type="arabicPeriod"/>
+            </a:pPr>
+            <a:r>
+              <a:rPr lang="zh-CN" altLang="en-US" sz="1400" dirty="0"/>
+              <a:t>🐎格努斯施系数导数</a:t>
+            </a:r>
+            <a:endParaRPr lang="en-US" altLang="zh-CN" sz="1400" dirty="0"/>
+          </a:p>
+          <a:p>
+            <a:pPr marL="342900" indent="-342900">
+              <a:buAutoNum type="arabicPeriod"/>
+            </a:pPr>
+            <a:r>
+              <a:rPr lang="zh-CN" altLang="en-US" sz="1400" dirty="0"/>
+              <a:t>舵机铰链力矩系数</a:t>
+            </a:r>
+            <a:endParaRPr lang="en-US" altLang="zh-CN" sz="1400" dirty="0"/>
+          </a:p>
+        </p:txBody>
+      </p:sp>
+      <p:sp>
+        <p:nvSpPr>
+          <p:cNvPr id="9" name="矩形 8">
+            <a:extLst>
+              <a:ext uri="{FF2B5EF4-FFF2-40B4-BE49-F238E27FC236}">
+                <a16:creationId xmlns:a16="http://schemas.microsoft.com/office/drawing/2014/main" id="{F82C56A4-3470-443A-B061-C9B56A172138}"/>
+              </a:ext>
+            </a:extLst>
+          </p:cNvPr>
+          <p:cNvSpPr/>
+          <p:nvPr/>
+        </p:nvSpPr>
+        <p:spPr>
+          <a:xfrm>
+            <a:off x="1732870" y="1299567"/>
+            <a:ext cx="2328921" cy="3323987"/>
+          </a:xfrm>
+          <a:prstGeom prst="rect">
+            <a:avLst/>
+          </a:prstGeom>
+        </p:spPr>
+        <p:style>
+          <a:lnRef idx="2">
+            <a:schemeClr val="accent5"/>
+          </a:lnRef>
+          <a:fillRef idx="1">
+            <a:schemeClr val="lt1"/>
+          </a:fillRef>
+          <a:effectRef idx="0">
+            <a:schemeClr val="accent5"/>
+          </a:effectRef>
+          <a:fontRef idx="minor">
+            <a:schemeClr val="dk1"/>
+          </a:fontRef>
+        </p:style>
+        <p:txBody>
+          <a:bodyPr rtlCol="0" anchor="t" anchorCtr="0">
+            <a:spAutoFit/>
+          </a:bodyPr>
+          <a:lstStyle/>
+          <a:p>
+            <a:pPr marL="342900" indent="-342900">
+              <a:buAutoNum type="arabicPeriod"/>
+            </a:pPr>
+            <a:r>
+              <a:rPr lang="zh-CN" altLang="en-US" sz="1400" dirty="0"/>
+              <a:t>战术技术要求的导弹外形尺寸的限制</a:t>
+            </a:r>
+            <a:endParaRPr lang="en-US" altLang="zh-CN" sz="1400" dirty="0"/>
+          </a:p>
+          <a:p>
+            <a:pPr marL="342900" indent="-342900">
+              <a:buAutoNum type="arabicPeriod"/>
+            </a:pPr>
+            <a:r>
+              <a:rPr lang="zh-CN" altLang="en-US" sz="1400" dirty="0"/>
+              <a:t>导弹进本气动布局形式</a:t>
+            </a:r>
+            <a:endParaRPr lang="en-US" altLang="zh-CN" sz="1400" dirty="0"/>
+          </a:p>
+          <a:p>
+            <a:pPr marL="342900" indent="-342900">
+              <a:buAutoNum type="arabicPeriod"/>
+            </a:pPr>
+            <a:r>
+              <a:rPr lang="zh-CN" altLang="en-US" sz="1400" dirty="0"/>
+              <a:t>导弹需用法向过载变化规律</a:t>
+            </a:r>
+            <a:endParaRPr lang="en-US" altLang="zh-CN" sz="1400" dirty="0"/>
+          </a:p>
+          <a:p>
+            <a:pPr marL="342900" indent="-342900">
+              <a:buAutoNum type="arabicPeriod"/>
+            </a:pPr>
+            <a:r>
+              <a:rPr lang="zh-CN" altLang="en-US" sz="1400" dirty="0"/>
+              <a:t>弹体动力学随攻角变化保持近似线性的要求</a:t>
+            </a:r>
+            <a:endParaRPr lang="en-US" altLang="zh-CN" sz="1400" dirty="0"/>
+          </a:p>
+          <a:p>
+            <a:pPr marL="342900" indent="-342900">
+              <a:buAutoNum type="arabicPeriod"/>
+            </a:pPr>
+            <a:r>
+              <a:rPr lang="zh-CN" altLang="en-US" sz="1400" dirty="0"/>
+              <a:t>弹体固有频率</a:t>
+            </a:r>
+            <a:r>
+              <a:rPr lang="en-US" altLang="zh-CN" sz="1400" dirty="0"/>
+              <a:t>/</a:t>
+            </a:r>
+            <a:r>
+              <a:rPr lang="zh-CN" altLang="en-US" sz="1400" dirty="0"/>
+              <a:t>静稳定度要求</a:t>
+            </a:r>
+            <a:endParaRPr lang="en-US" altLang="zh-CN" sz="1400" dirty="0"/>
+          </a:p>
+          <a:p>
+            <a:pPr marL="342900" indent="-342900">
+              <a:buAutoNum type="arabicPeriod"/>
+            </a:pPr>
+            <a:r>
+              <a:rPr lang="zh-CN" altLang="en-US" sz="1400" dirty="0"/>
+              <a:t>弹体详细外形尺寸</a:t>
+            </a:r>
+            <a:endParaRPr lang="en-US" altLang="zh-CN" sz="1400" dirty="0"/>
+          </a:p>
+          <a:p>
+            <a:pPr marL="342900" indent="-342900">
+              <a:buAutoNum type="arabicPeriod"/>
+            </a:pPr>
+            <a:r>
+              <a:rPr lang="zh-CN" altLang="en-US" sz="1400" dirty="0"/>
+              <a:t>部位安排初步确定的舵机舱段的位置</a:t>
+            </a:r>
+            <a:endParaRPr lang="en-US" altLang="zh-CN" sz="1400" dirty="0"/>
+          </a:p>
+          <a:p>
+            <a:pPr marL="342900" indent="-342900">
+              <a:buAutoNum type="arabicPeriod"/>
+            </a:pPr>
+            <a:r>
+              <a:rPr lang="zh-CN" altLang="en-US" sz="1400" dirty="0"/>
+              <a:t>满载空载质量</a:t>
+            </a:r>
+            <a:endParaRPr lang="en-US" altLang="zh-CN" sz="1400" dirty="0"/>
+          </a:p>
+          <a:p>
+            <a:pPr marL="342900" indent="-342900">
+              <a:buAutoNum type="arabicPeriod"/>
+            </a:pPr>
+            <a:r>
+              <a:rPr lang="en-US" altLang="zh-CN" sz="1400" dirty="0"/>
+              <a:t>~</a:t>
+            </a:r>
+            <a:r>
+              <a:rPr lang="zh-CN" altLang="en-US" sz="1400" dirty="0"/>
+              <a:t>质心</a:t>
+            </a:r>
+            <a:endParaRPr lang="en-US" altLang="zh-CN" sz="1400" dirty="0"/>
+          </a:p>
+          <a:p>
+            <a:pPr marL="342900" indent="-342900">
+              <a:buAutoNum type="arabicPeriod"/>
+            </a:pPr>
+            <a:r>
+              <a:rPr lang="en-US" altLang="zh-CN" sz="1400" dirty="0"/>
+              <a:t>~</a:t>
+            </a:r>
+            <a:r>
+              <a:rPr lang="zh-CN" altLang="en-US" sz="1400" dirty="0"/>
+              <a:t>两类转动惯量</a:t>
+            </a:r>
+            <a:endParaRPr lang="en-US" altLang="zh-CN" sz="1400" dirty="0"/>
+          </a:p>
+        </p:txBody>
+      </p:sp>
+    </p:spTree>
+    <p:extLst>
+      <p:ext uri="{BB962C8B-B14F-4D97-AF65-F5344CB8AC3E}">
+        <p14:creationId xmlns:p14="http://schemas.microsoft.com/office/powerpoint/2010/main" val="1181421970"/>
       </p:ext>
     </p:extLst>
   </p:cSld>
